--- a/show/中期答辩.pptx
+++ b/show/中期答辩.pptx
@@ -8,15 +8,21 @@
     <p:sldId id="256" r:id="rId2"/>
     <p:sldId id="265" r:id="rId3"/>
     <p:sldId id="272" r:id="rId4"/>
-    <p:sldId id="276" r:id="rId5"/>
-    <p:sldId id="277" r:id="rId6"/>
-    <p:sldId id="279" r:id="rId7"/>
-    <p:sldId id="278" r:id="rId8"/>
+    <p:sldId id="277" r:id="rId5"/>
+    <p:sldId id="279" r:id="rId6"/>
+    <p:sldId id="278" r:id="rId7"/>
+    <p:sldId id="283" r:id="rId8"/>
     <p:sldId id="280" r:id="rId9"/>
-    <p:sldId id="281" r:id="rId10"/>
-    <p:sldId id="273" r:id="rId11"/>
-    <p:sldId id="282" r:id="rId12"/>
-    <p:sldId id="274" r:id="rId13"/>
+    <p:sldId id="284" r:id="rId10"/>
+    <p:sldId id="285" r:id="rId11"/>
+    <p:sldId id="286" r:id="rId12"/>
+    <p:sldId id="281" r:id="rId13"/>
+    <p:sldId id="287" r:id="rId14"/>
+    <p:sldId id="290" r:id="rId15"/>
+    <p:sldId id="273" r:id="rId16"/>
+    <p:sldId id="288" r:id="rId17"/>
+    <p:sldId id="282" r:id="rId18"/>
+    <p:sldId id="274" r:id="rId19"/>
   </p:sldIdLst>
   <p:sldSz cx="12192000" cy="6858000"/>
   <p:notesSz cx="6858000" cy="9144000"/>
@@ -115,6 +121,11 @@
       </a:defRPr>
     </a:lvl9pPr>
   </p:defaultTextStyle>
+  <p:extLst>
+    <p:ext uri="{EFAFB233-063F-42B5-8137-9DF3F51BA10A}">
+      <p15:sldGuideLst xmlns:p15="http://schemas.microsoft.com/office/powerpoint/2012/main"/>
+    </p:ext>
+  </p:extLst>
 </p:presentation>
 </file>
 
@@ -7804,6 +7815,226 @@
       </p:grpSpPr>
       <p:sp>
         <p:nvSpPr>
+          <p:cNvPr id="2" name="标题 1">
+            <a:extLst>
+              <a:ext uri="{FF2B5EF4-FFF2-40B4-BE49-F238E27FC236}">
+                <a16:creationId xmlns:a16="http://schemas.microsoft.com/office/drawing/2014/main" id="{7CC324D2-B29E-4388-AC84-9461E743D123}"/>
+              </a:ext>
+            </a:extLst>
+          </p:cNvPr>
+          <p:cNvSpPr>
+            <a:spLocks noGrp="1"/>
+          </p:cNvSpPr>
+          <p:nvPr>
+            <p:ph type="title"/>
+          </p:nvPr>
+        </p:nvSpPr>
+        <p:spPr/>
+        <p:txBody>
+          <a:bodyPr/>
+          <a:lstStyle/>
+          <a:p>
+            <a:endParaRPr lang="zh-CN" altLang="en-US"/>
+          </a:p>
+        </p:txBody>
+      </p:sp>
+      <p:sp>
+        <p:nvSpPr>
+          <p:cNvPr id="3" name="内容占位符 2">
+            <a:extLst>
+              <a:ext uri="{FF2B5EF4-FFF2-40B4-BE49-F238E27FC236}">
+                <a16:creationId xmlns:a16="http://schemas.microsoft.com/office/drawing/2014/main" id="{75056B17-2455-4577-BBB3-EBA3B60CBAA8}"/>
+              </a:ext>
+            </a:extLst>
+          </p:cNvPr>
+          <p:cNvSpPr>
+            <a:spLocks noGrp="1"/>
+          </p:cNvSpPr>
+          <p:nvPr>
+            <p:ph idx="1"/>
+          </p:nvPr>
+        </p:nvSpPr>
+        <p:spPr/>
+        <p:txBody>
+          <a:bodyPr/>
+          <a:lstStyle/>
+          <a:p>
+            <a:endParaRPr lang="zh-CN" altLang="en-US"/>
+          </a:p>
+        </p:txBody>
+      </p:sp>
+      <p:pic>
+        <p:nvPicPr>
+          <p:cNvPr id="4" name="图片 3">
+            <a:extLst>
+              <a:ext uri="{FF2B5EF4-FFF2-40B4-BE49-F238E27FC236}">
+                <a16:creationId xmlns:a16="http://schemas.microsoft.com/office/drawing/2014/main" id="{46F940BC-C8E2-4474-B811-E7292259E093}"/>
+              </a:ext>
+            </a:extLst>
+          </p:cNvPr>
+          <p:cNvPicPr>
+            <a:picLocks noChangeAspect="1"/>
+          </p:cNvPicPr>
+          <p:nvPr/>
+        </p:nvPicPr>
+        <p:blipFill>
+          <a:blip r:embed="rId2"/>
+          <a:stretch>
+            <a:fillRect/>
+          </a:stretch>
+        </p:blipFill>
+        <p:spPr>
+          <a:xfrm>
+            <a:off x="395883" y="2125462"/>
+            <a:ext cx="11400234" cy="2607075"/>
+          </a:xfrm>
+          <a:prstGeom prst="rect">
+            <a:avLst/>
+          </a:prstGeom>
+        </p:spPr>
+      </p:pic>
+    </p:spTree>
+    <p:extLst>
+      <p:ext uri="{BB962C8B-B14F-4D97-AF65-F5344CB8AC3E}">
+        <p14:creationId xmlns:p14="http://schemas.microsoft.com/office/powerpoint/2010/main" val="2445915093"/>
+      </p:ext>
+    </p:extLst>
+  </p:cSld>
+  <p:clrMapOvr>
+    <a:masterClrMapping/>
+  </p:clrMapOvr>
+</p:sld>
+</file>
+
+<file path=ppt/slides/slide11.xml><?xml version="1.0" encoding="utf-8"?>
+<p:sld xmlns:a="http://schemas.openxmlformats.org/drawingml/2006/main" xmlns:r="http://schemas.openxmlformats.org/officeDocument/2006/relationships" xmlns:p="http://schemas.openxmlformats.org/presentationml/2006/main">
+  <p:cSld>
+    <p:spTree>
+      <p:nvGrpSpPr>
+        <p:cNvPr id="1" name=""/>
+        <p:cNvGrpSpPr/>
+        <p:nvPr/>
+      </p:nvGrpSpPr>
+      <p:grpSpPr>
+        <a:xfrm>
+          <a:off x="0" y="0"/>
+          <a:ext cx="0" cy="0"/>
+          <a:chOff x="0" y="0"/>
+          <a:chExt cx="0" cy="0"/>
+        </a:xfrm>
+      </p:grpSpPr>
+      <p:sp>
+        <p:nvSpPr>
+          <p:cNvPr id="2" name="标题 1">
+            <a:extLst>
+              <a:ext uri="{FF2B5EF4-FFF2-40B4-BE49-F238E27FC236}">
+                <a16:creationId xmlns:a16="http://schemas.microsoft.com/office/drawing/2014/main" id="{01699BB9-6D5B-4093-B344-55AD332EEFC2}"/>
+              </a:ext>
+            </a:extLst>
+          </p:cNvPr>
+          <p:cNvSpPr>
+            <a:spLocks noGrp="1"/>
+          </p:cNvSpPr>
+          <p:nvPr>
+            <p:ph type="title"/>
+          </p:nvPr>
+        </p:nvSpPr>
+        <p:spPr/>
+        <p:txBody>
+          <a:bodyPr/>
+          <a:lstStyle/>
+          <a:p>
+            <a:endParaRPr lang="zh-CN" altLang="en-US"/>
+          </a:p>
+        </p:txBody>
+      </p:sp>
+      <p:sp>
+        <p:nvSpPr>
+          <p:cNvPr id="3" name="内容占位符 2">
+            <a:extLst>
+              <a:ext uri="{FF2B5EF4-FFF2-40B4-BE49-F238E27FC236}">
+                <a16:creationId xmlns:a16="http://schemas.microsoft.com/office/drawing/2014/main" id="{9696D427-0934-45A8-9F85-653EEAD947AA}"/>
+              </a:ext>
+            </a:extLst>
+          </p:cNvPr>
+          <p:cNvSpPr>
+            <a:spLocks noGrp="1"/>
+          </p:cNvSpPr>
+          <p:nvPr>
+            <p:ph idx="1"/>
+          </p:nvPr>
+        </p:nvSpPr>
+        <p:spPr/>
+        <p:txBody>
+          <a:bodyPr/>
+          <a:lstStyle/>
+          <a:p>
+            <a:endParaRPr lang="zh-CN" altLang="en-US" dirty="0"/>
+          </a:p>
+        </p:txBody>
+      </p:sp>
+      <p:pic>
+        <p:nvPicPr>
+          <p:cNvPr id="4" name="图片 3">
+            <a:extLst>
+              <a:ext uri="{FF2B5EF4-FFF2-40B4-BE49-F238E27FC236}">
+                <a16:creationId xmlns:a16="http://schemas.microsoft.com/office/drawing/2014/main" id="{51198608-E6F7-4FFC-A231-B1D869BA04E3}"/>
+              </a:ext>
+            </a:extLst>
+          </p:cNvPr>
+          <p:cNvPicPr>
+            <a:picLocks noChangeAspect="1"/>
+          </p:cNvPicPr>
+          <p:nvPr/>
+        </p:nvPicPr>
+        <p:blipFill>
+          <a:blip r:embed="rId2"/>
+          <a:stretch>
+            <a:fillRect/>
+          </a:stretch>
+        </p:blipFill>
+        <p:spPr>
+          <a:xfrm>
+            <a:off x="310160" y="2199442"/>
+            <a:ext cx="11571679" cy="2459115"/>
+          </a:xfrm>
+          <a:prstGeom prst="rect">
+            <a:avLst/>
+          </a:prstGeom>
+        </p:spPr>
+      </p:pic>
+    </p:spTree>
+    <p:extLst>
+      <p:ext uri="{BB962C8B-B14F-4D97-AF65-F5344CB8AC3E}">
+        <p14:creationId xmlns:p14="http://schemas.microsoft.com/office/powerpoint/2010/main" val="2899069628"/>
+      </p:ext>
+    </p:extLst>
+  </p:cSld>
+  <p:clrMapOvr>
+    <a:masterClrMapping/>
+  </p:clrMapOvr>
+</p:sld>
+</file>
+
+<file path=ppt/slides/slide12.xml><?xml version="1.0" encoding="utf-8"?>
+<p:sld xmlns:a="http://schemas.openxmlformats.org/drawingml/2006/main" xmlns:r="http://schemas.openxmlformats.org/officeDocument/2006/relationships" xmlns:p="http://schemas.openxmlformats.org/presentationml/2006/main">
+  <p:cSld>
+    <p:spTree>
+      <p:nvGrpSpPr>
+        <p:cNvPr id="1" name=""/>
+        <p:cNvGrpSpPr/>
+        <p:nvPr/>
+      </p:nvGrpSpPr>
+      <p:grpSpPr>
+        <a:xfrm>
+          <a:off x="0" y="0"/>
+          <a:ext cx="0" cy="0"/>
+          <a:chOff x="0" y="0"/>
+          <a:chExt cx="0" cy="0"/>
+        </a:xfrm>
+      </p:grpSpPr>
+      <p:sp>
+        <p:nvSpPr>
           <p:cNvPr id="2" name="标题 1"/>
           <p:cNvSpPr>
             <a:spLocks noGrp="1"/>
@@ -7819,7 +8050,584 @@
           <a:p>
             <a:r>
               <a:rPr lang="zh-CN" altLang="en-US" dirty="0"/>
-              <a:t>数据来源</a:t>
+              <a:t>代码实现</a:t>
+            </a:r>
+            <a:r>
+              <a:rPr lang="en-US" altLang="zh-CN" dirty="0"/>
+              <a:t>——</a:t>
+            </a:r>
+            <a:r>
+              <a:rPr lang="zh-CN" altLang="en-US" dirty="0"/>
+              <a:t>画图展示部分</a:t>
+            </a:r>
+            <a:endParaRPr lang="en-US" altLang="zh-CN" dirty="0"/>
+          </a:p>
+        </p:txBody>
+      </p:sp>
+      <p:sp>
+        <p:nvSpPr>
+          <p:cNvPr id="4" name="内容占位符 2"/>
+          <p:cNvSpPr txBox="1">
+            <a:spLocks/>
+          </p:cNvSpPr>
+          <p:nvPr/>
+        </p:nvSpPr>
+        <p:spPr>
+          <a:xfrm>
+            <a:off x="2589212" y="1905000"/>
+            <a:ext cx="8915400" cy="4353758"/>
+          </a:xfrm>
+          <a:prstGeom prst="rect">
+            <a:avLst/>
+          </a:prstGeom>
+        </p:spPr>
+        <p:txBody>
+          <a:bodyPr vert="horz" lIns="91440" tIns="45720" rIns="91440" bIns="45720" rtlCol="0">
+            <a:normAutofit/>
+          </a:bodyPr>
+          <a:lstStyle>
+            <a:lvl1pPr marL="342900" indent="-342900" algn="l" defTabSz="457200" rtl="0" eaLnBrk="1" latinLnBrk="0" hangingPunct="1">
+              <a:spcBef>
+                <a:spcPts val="1000"/>
+              </a:spcBef>
+              <a:spcAft>
+                <a:spcPts val="0"/>
+              </a:spcAft>
+              <a:buClr>
+                <a:schemeClr val="accent1"/>
+              </a:buClr>
+              <a:buFont typeface="Wingdings 3" charset="2"/>
+              <a:buChar char=""/>
+              <a:defRPr sz="1800" kern="1200">
+                <a:solidFill>
+                  <a:schemeClr val="tx1">
+                    <a:lumMod val="75000"/>
+                    <a:lumOff val="25000"/>
+                  </a:schemeClr>
+                </a:solidFill>
+                <a:latin typeface="+mn-lt"/>
+                <a:ea typeface="+mn-ea"/>
+                <a:cs typeface="+mn-cs"/>
+              </a:defRPr>
+            </a:lvl1pPr>
+            <a:lvl2pPr marL="742950" indent="-285750" algn="l" defTabSz="457200" rtl="0" eaLnBrk="1" latinLnBrk="0" hangingPunct="1">
+              <a:spcBef>
+                <a:spcPts val="1000"/>
+              </a:spcBef>
+              <a:spcAft>
+                <a:spcPts val="0"/>
+              </a:spcAft>
+              <a:buClr>
+                <a:schemeClr val="accent1"/>
+              </a:buClr>
+              <a:buFont typeface="Wingdings 3" charset="2"/>
+              <a:buChar char=""/>
+              <a:defRPr sz="1600" kern="1200">
+                <a:solidFill>
+                  <a:schemeClr val="tx1">
+                    <a:lumMod val="75000"/>
+                    <a:lumOff val="25000"/>
+                  </a:schemeClr>
+                </a:solidFill>
+                <a:latin typeface="+mn-lt"/>
+                <a:ea typeface="+mn-ea"/>
+                <a:cs typeface="+mn-cs"/>
+              </a:defRPr>
+            </a:lvl2pPr>
+            <a:lvl3pPr marL="1143000" indent="-228600" algn="l" defTabSz="457200" rtl="0" eaLnBrk="1" latinLnBrk="0" hangingPunct="1">
+              <a:spcBef>
+                <a:spcPts val="1000"/>
+              </a:spcBef>
+              <a:spcAft>
+                <a:spcPts val="0"/>
+              </a:spcAft>
+              <a:buClr>
+                <a:schemeClr val="accent1"/>
+              </a:buClr>
+              <a:buFont typeface="Wingdings 3" charset="2"/>
+              <a:buChar char=""/>
+              <a:defRPr sz="1400" kern="1200">
+                <a:solidFill>
+                  <a:schemeClr val="tx1">
+                    <a:lumMod val="75000"/>
+                    <a:lumOff val="25000"/>
+                  </a:schemeClr>
+                </a:solidFill>
+                <a:latin typeface="+mn-lt"/>
+                <a:ea typeface="+mn-ea"/>
+                <a:cs typeface="+mn-cs"/>
+              </a:defRPr>
+            </a:lvl3pPr>
+            <a:lvl4pPr marL="1600200" indent="-228600" algn="l" defTabSz="457200" rtl="0" eaLnBrk="1" latinLnBrk="0" hangingPunct="1">
+              <a:spcBef>
+                <a:spcPts val="1000"/>
+              </a:spcBef>
+              <a:spcAft>
+                <a:spcPts val="0"/>
+              </a:spcAft>
+              <a:buClr>
+                <a:schemeClr val="accent1"/>
+              </a:buClr>
+              <a:buFont typeface="Wingdings 3" charset="2"/>
+              <a:buChar char=""/>
+              <a:defRPr sz="1200" kern="1200">
+                <a:solidFill>
+                  <a:schemeClr val="tx1">
+                    <a:lumMod val="75000"/>
+                    <a:lumOff val="25000"/>
+                  </a:schemeClr>
+                </a:solidFill>
+                <a:latin typeface="+mn-lt"/>
+                <a:ea typeface="+mn-ea"/>
+                <a:cs typeface="+mn-cs"/>
+              </a:defRPr>
+            </a:lvl4pPr>
+            <a:lvl5pPr marL="2057400" indent="-228600" algn="l" defTabSz="457200" rtl="0" eaLnBrk="1" latinLnBrk="0" hangingPunct="1">
+              <a:spcBef>
+                <a:spcPts val="1000"/>
+              </a:spcBef>
+              <a:spcAft>
+                <a:spcPts val="0"/>
+              </a:spcAft>
+              <a:buClr>
+                <a:schemeClr val="accent1"/>
+              </a:buClr>
+              <a:buFont typeface="Wingdings 3" charset="2"/>
+              <a:buChar char=""/>
+              <a:defRPr sz="1200" kern="1200">
+                <a:solidFill>
+                  <a:schemeClr val="tx1">
+                    <a:lumMod val="75000"/>
+                    <a:lumOff val="25000"/>
+                  </a:schemeClr>
+                </a:solidFill>
+                <a:latin typeface="+mn-lt"/>
+                <a:ea typeface="+mn-ea"/>
+                <a:cs typeface="+mn-cs"/>
+              </a:defRPr>
+            </a:lvl5pPr>
+            <a:lvl6pPr marL="2514600" indent="-228600" algn="l" defTabSz="457200" rtl="0" eaLnBrk="1" latinLnBrk="0" hangingPunct="1">
+              <a:spcBef>
+                <a:spcPts val="1000"/>
+              </a:spcBef>
+              <a:spcAft>
+                <a:spcPts val="0"/>
+              </a:spcAft>
+              <a:buClr>
+                <a:schemeClr val="accent1"/>
+              </a:buClr>
+              <a:buFont typeface="Wingdings 3" charset="2"/>
+              <a:buChar char=""/>
+              <a:defRPr sz="1200" kern="1200">
+                <a:solidFill>
+                  <a:schemeClr val="tx1">
+                    <a:lumMod val="75000"/>
+                    <a:lumOff val="25000"/>
+                  </a:schemeClr>
+                </a:solidFill>
+                <a:latin typeface="+mn-lt"/>
+                <a:ea typeface="+mn-ea"/>
+                <a:cs typeface="+mn-cs"/>
+              </a:defRPr>
+            </a:lvl6pPr>
+            <a:lvl7pPr marL="2971800" indent="-228600" algn="l" defTabSz="457200" rtl="0" eaLnBrk="1" latinLnBrk="0" hangingPunct="1">
+              <a:spcBef>
+                <a:spcPts val="1000"/>
+              </a:spcBef>
+              <a:spcAft>
+                <a:spcPts val="0"/>
+              </a:spcAft>
+              <a:buClr>
+                <a:schemeClr val="accent1"/>
+              </a:buClr>
+              <a:buFont typeface="Wingdings 3" charset="2"/>
+              <a:buChar char=""/>
+              <a:defRPr sz="1200" kern="1200">
+                <a:solidFill>
+                  <a:schemeClr val="tx1">
+                    <a:lumMod val="75000"/>
+                    <a:lumOff val="25000"/>
+                  </a:schemeClr>
+                </a:solidFill>
+                <a:latin typeface="+mn-lt"/>
+                <a:ea typeface="+mn-ea"/>
+                <a:cs typeface="+mn-cs"/>
+              </a:defRPr>
+            </a:lvl7pPr>
+            <a:lvl8pPr marL="3429000" indent="-228600" algn="l" defTabSz="457200" rtl="0" eaLnBrk="1" latinLnBrk="0" hangingPunct="1">
+              <a:spcBef>
+                <a:spcPts val="1000"/>
+              </a:spcBef>
+              <a:spcAft>
+                <a:spcPts val="0"/>
+              </a:spcAft>
+              <a:buClr>
+                <a:schemeClr val="accent1"/>
+              </a:buClr>
+              <a:buFont typeface="Wingdings 3" charset="2"/>
+              <a:buChar char=""/>
+              <a:defRPr sz="1200" kern="1200">
+                <a:solidFill>
+                  <a:schemeClr val="tx1">
+                    <a:lumMod val="75000"/>
+                    <a:lumOff val="25000"/>
+                  </a:schemeClr>
+                </a:solidFill>
+                <a:latin typeface="+mn-lt"/>
+                <a:ea typeface="+mn-ea"/>
+                <a:cs typeface="+mn-cs"/>
+              </a:defRPr>
+            </a:lvl8pPr>
+            <a:lvl9pPr marL="3886200" indent="-228600" algn="l" defTabSz="457200" rtl="0" eaLnBrk="1" latinLnBrk="0" hangingPunct="1">
+              <a:spcBef>
+                <a:spcPts val="1000"/>
+              </a:spcBef>
+              <a:spcAft>
+                <a:spcPts val="0"/>
+              </a:spcAft>
+              <a:buClr>
+                <a:schemeClr val="accent1"/>
+              </a:buClr>
+              <a:buFont typeface="Wingdings 3" charset="2"/>
+              <a:buChar char=""/>
+              <a:defRPr sz="1200" kern="1200">
+                <a:solidFill>
+                  <a:schemeClr val="tx1">
+                    <a:lumMod val="75000"/>
+                    <a:lumOff val="25000"/>
+                  </a:schemeClr>
+                </a:solidFill>
+                <a:latin typeface="+mn-lt"/>
+                <a:ea typeface="+mn-ea"/>
+                <a:cs typeface="+mn-cs"/>
+              </a:defRPr>
+            </a:lvl9pPr>
+          </a:lstStyle>
+          <a:p>
+            <a:pPr>
+              <a:lnSpc>
+                <a:spcPct val="200000"/>
+              </a:lnSpc>
+            </a:pPr>
+            <a:r>
+              <a:rPr lang="zh-CN" altLang="en-US" sz="2200" dirty="0"/>
+              <a:t>使用工具：</a:t>
+            </a:r>
+            <a:r>
+              <a:rPr lang="en-US" altLang="zh-CN" sz="2200"/>
+              <a:t>matplotlib</a:t>
+            </a:r>
+            <a:endParaRPr lang="en-US" altLang="zh-CN" sz="2200" dirty="0"/>
+          </a:p>
+          <a:p>
+            <a:pPr>
+              <a:lnSpc>
+                <a:spcPct val="200000"/>
+              </a:lnSpc>
+            </a:pPr>
+            <a:endParaRPr lang="zh-CN" altLang="zh-CN" sz="2200" dirty="0"/>
+          </a:p>
+        </p:txBody>
+      </p:sp>
+    </p:spTree>
+    <p:extLst>
+      <p:ext uri="{BB962C8B-B14F-4D97-AF65-F5344CB8AC3E}">
+        <p14:creationId xmlns:p14="http://schemas.microsoft.com/office/powerpoint/2010/main" val="2779118128"/>
+      </p:ext>
+    </p:extLst>
+  </p:cSld>
+  <p:clrMapOvr>
+    <a:masterClrMapping/>
+  </p:clrMapOvr>
+  <p:timing>
+    <p:tnLst>
+      <p:par>
+        <p:cTn id="1" dur="indefinite" restart="never" nodeType="tmRoot">
+          <p:childTnLst>
+            <p:seq concurrent="1" nextAc="seek">
+              <p:cTn id="2" dur="indefinite" nodeType="mainSeq">
+                <p:childTnLst>
+                  <p:par>
+                    <p:cTn id="3" fill="hold">
+                      <p:stCondLst>
+                        <p:cond delay="indefinite"/>
+                      </p:stCondLst>
+                      <p:childTnLst>
+                        <p:par>
+                          <p:cTn id="4" fill="hold">
+                            <p:stCondLst>
+                              <p:cond delay="0"/>
+                            </p:stCondLst>
+                            <p:childTnLst>
+                              <p:par>
+                                <p:cTn id="5" presetID="2" presetClass="entr" presetSubtype="8" fill="hold" nodeType="clickEffect">
+                                  <p:stCondLst>
+                                    <p:cond delay="0"/>
+                                  </p:stCondLst>
+                                  <p:childTnLst>
+                                    <p:set>
+                                      <p:cBhvr>
+                                        <p:cTn id="6" dur="1" fill="hold">
+                                          <p:stCondLst>
+                                            <p:cond delay="0"/>
+                                          </p:stCondLst>
+                                        </p:cTn>
+                                        <p:tgtEl>
+                                          <p:spTgt spid="4">
+                                            <p:txEl>
+                                              <p:pRg st="0" end="0"/>
+                                            </p:txEl>
+                                          </p:spTgt>
+                                        </p:tgtEl>
+                                        <p:attrNameLst>
+                                          <p:attrName>style.visibility</p:attrName>
+                                        </p:attrNameLst>
+                                      </p:cBhvr>
+                                      <p:to>
+                                        <p:strVal val="visible"/>
+                                      </p:to>
+                                    </p:set>
+                                    <p:anim calcmode="lin" valueType="num">
+                                      <p:cBhvr additive="base">
+                                        <p:cTn id="7" dur="500" fill="hold"/>
+                                        <p:tgtEl>
+                                          <p:spTgt spid="4">
+                                            <p:txEl>
+                                              <p:pRg st="0" end="0"/>
+                                            </p:txEl>
+                                          </p:spTgt>
+                                        </p:tgtEl>
+                                        <p:attrNameLst>
+                                          <p:attrName>ppt_x</p:attrName>
+                                        </p:attrNameLst>
+                                      </p:cBhvr>
+                                      <p:tavLst>
+                                        <p:tav tm="0">
+                                          <p:val>
+                                            <p:strVal val="0-#ppt_w/2"/>
+                                          </p:val>
+                                        </p:tav>
+                                        <p:tav tm="100000">
+                                          <p:val>
+                                            <p:strVal val="#ppt_x"/>
+                                          </p:val>
+                                        </p:tav>
+                                      </p:tavLst>
+                                    </p:anim>
+                                    <p:anim calcmode="lin" valueType="num">
+                                      <p:cBhvr additive="base">
+                                        <p:cTn id="8" dur="500" fill="hold"/>
+                                        <p:tgtEl>
+                                          <p:spTgt spid="4">
+                                            <p:txEl>
+                                              <p:pRg st="0" end="0"/>
+                                            </p:txEl>
+                                          </p:spTgt>
+                                        </p:tgtEl>
+                                        <p:attrNameLst>
+                                          <p:attrName>ppt_y</p:attrName>
+                                        </p:attrNameLst>
+                                      </p:cBhvr>
+                                      <p:tavLst>
+                                        <p:tav tm="0">
+                                          <p:val>
+                                            <p:strVal val="#ppt_y"/>
+                                          </p:val>
+                                        </p:tav>
+                                        <p:tav tm="100000">
+                                          <p:val>
+                                            <p:strVal val="#ppt_y"/>
+                                          </p:val>
+                                        </p:tav>
+                                      </p:tavLst>
+                                    </p:anim>
+                                  </p:childTnLst>
+                                </p:cTn>
+                              </p:par>
+                            </p:childTnLst>
+                          </p:cTn>
+                        </p:par>
+                      </p:childTnLst>
+                    </p:cTn>
+                  </p:par>
+                </p:childTnLst>
+              </p:cTn>
+              <p:prevCondLst>
+                <p:cond evt="onPrev" delay="0">
+                  <p:tgtEl>
+                    <p:sldTgt/>
+                  </p:tgtEl>
+                </p:cond>
+              </p:prevCondLst>
+              <p:nextCondLst>
+                <p:cond evt="onNext" delay="0">
+                  <p:tgtEl>
+                    <p:sldTgt/>
+                  </p:tgtEl>
+                </p:cond>
+              </p:nextCondLst>
+            </p:seq>
+          </p:childTnLst>
+        </p:cTn>
+      </p:par>
+    </p:tnLst>
+  </p:timing>
+</p:sld>
+</file>
+
+<file path=ppt/slides/slide13.xml><?xml version="1.0" encoding="utf-8"?>
+<p:sld xmlns:a="http://schemas.openxmlformats.org/drawingml/2006/main" xmlns:r="http://schemas.openxmlformats.org/officeDocument/2006/relationships" xmlns:p="http://schemas.openxmlformats.org/presentationml/2006/main">
+  <p:cSld>
+    <p:spTree>
+      <p:nvGrpSpPr>
+        <p:cNvPr id="1" name=""/>
+        <p:cNvGrpSpPr/>
+        <p:nvPr/>
+      </p:nvGrpSpPr>
+      <p:grpSpPr>
+        <a:xfrm>
+          <a:off x="0" y="0"/>
+          <a:ext cx="0" cy="0"/>
+          <a:chOff x="0" y="0"/>
+          <a:chExt cx="0" cy="0"/>
+        </a:xfrm>
+      </p:grpSpPr>
+      <p:sp>
+        <p:nvSpPr>
+          <p:cNvPr id="2" name="标题 1">
+            <a:extLst>
+              <a:ext uri="{FF2B5EF4-FFF2-40B4-BE49-F238E27FC236}">
+                <a16:creationId xmlns:a16="http://schemas.microsoft.com/office/drawing/2014/main" id="{2E732FFD-5B3B-47D8-9D68-8ED657BC5293}"/>
+              </a:ext>
+            </a:extLst>
+          </p:cNvPr>
+          <p:cNvSpPr>
+            <a:spLocks noGrp="1"/>
+          </p:cNvSpPr>
+          <p:nvPr>
+            <p:ph type="title"/>
+          </p:nvPr>
+        </p:nvSpPr>
+        <p:spPr/>
+        <p:txBody>
+          <a:bodyPr/>
+          <a:lstStyle/>
+          <a:p>
+            <a:endParaRPr lang="zh-CN" altLang="en-US"/>
+          </a:p>
+        </p:txBody>
+      </p:sp>
+      <p:sp>
+        <p:nvSpPr>
+          <p:cNvPr id="3" name="内容占位符 2">
+            <a:extLst>
+              <a:ext uri="{FF2B5EF4-FFF2-40B4-BE49-F238E27FC236}">
+                <a16:creationId xmlns:a16="http://schemas.microsoft.com/office/drawing/2014/main" id="{82BF7AC2-A6E9-4F1A-9B9D-D9EFFCED52FE}"/>
+              </a:ext>
+            </a:extLst>
+          </p:cNvPr>
+          <p:cNvSpPr>
+            <a:spLocks noGrp="1"/>
+          </p:cNvSpPr>
+          <p:nvPr>
+            <p:ph idx="1"/>
+          </p:nvPr>
+        </p:nvSpPr>
+        <p:spPr/>
+        <p:txBody>
+          <a:bodyPr/>
+          <a:lstStyle/>
+          <a:p>
+            <a:endParaRPr lang="zh-CN" altLang="en-US"/>
+          </a:p>
+        </p:txBody>
+      </p:sp>
+      <p:pic>
+        <p:nvPicPr>
+          <p:cNvPr id="6" name="图片 5">
+            <a:extLst>
+              <a:ext uri="{FF2B5EF4-FFF2-40B4-BE49-F238E27FC236}">
+                <a16:creationId xmlns:a16="http://schemas.microsoft.com/office/drawing/2014/main" id="{0FC9F6EB-64FB-4550-A787-317CC797E3C5}"/>
+              </a:ext>
+            </a:extLst>
+          </p:cNvPr>
+          <p:cNvPicPr>
+            <a:picLocks noChangeAspect="1"/>
+          </p:cNvPicPr>
+          <p:nvPr/>
+        </p:nvPicPr>
+        <p:blipFill>
+          <a:blip r:embed="rId2"/>
+          <a:stretch>
+            <a:fillRect/>
+          </a:stretch>
+        </p:blipFill>
+        <p:spPr>
+          <a:xfrm>
+            <a:off x="2774793" y="1290021"/>
+            <a:ext cx="6642414" cy="4277958"/>
+          </a:xfrm>
+          <a:prstGeom prst="rect">
+            <a:avLst/>
+          </a:prstGeom>
+        </p:spPr>
+      </p:pic>
+    </p:spTree>
+    <p:extLst>
+      <p:ext uri="{BB962C8B-B14F-4D97-AF65-F5344CB8AC3E}">
+        <p14:creationId xmlns:p14="http://schemas.microsoft.com/office/powerpoint/2010/main" val="3084097300"/>
+      </p:ext>
+    </p:extLst>
+  </p:cSld>
+  <p:clrMapOvr>
+    <a:masterClrMapping/>
+  </p:clrMapOvr>
+</p:sld>
+</file>
+
+<file path=ppt/slides/slide14.xml><?xml version="1.0" encoding="utf-8"?>
+<p:sld xmlns:a="http://schemas.openxmlformats.org/drawingml/2006/main" xmlns:r="http://schemas.openxmlformats.org/officeDocument/2006/relationships" xmlns:p="http://schemas.openxmlformats.org/presentationml/2006/main">
+  <p:cSld>
+    <p:spTree>
+      <p:nvGrpSpPr>
+        <p:cNvPr id="1" name=""/>
+        <p:cNvGrpSpPr/>
+        <p:nvPr/>
+      </p:nvGrpSpPr>
+      <p:grpSpPr>
+        <a:xfrm>
+          <a:off x="0" y="0"/>
+          <a:ext cx="0" cy="0"/>
+          <a:chOff x="0" y="0"/>
+          <a:chExt cx="0" cy="0"/>
+        </a:xfrm>
+      </p:grpSpPr>
+      <p:sp>
+        <p:nvSpPr>
+          <p:cNvPr id="2" name="标题 1"/>
+          <p:cNvSpPr>
+            <a:spLocks noGrp="1"/>
+          </p:cNvSpPr>
+          <p:nvPr>
+            <p:ph type="title"/>
+          </p:nvPr>
+        </p:nvSpPr>
+        <p:spPr/>
+        <p:txBody>
+          <a:bodyPr/>
+          <a:lstStyle/>
+          <a:p>
+            <a:r>
+              <a:rPr lang="zh-CN" altLang="en-US" dirty="0"/>
+              <a:t>代码实现</a:t>
+            </a:r>
+            <a:r>
+              <a:rPr lang="en-US" altLang="zh-CN" dirty="0"/>
+              <a:t>——</a:t>
+            </a:r>
+            <a:r>
+              <a:rPr lang="zh-CN" altLang="en-US" dirty="0"/>
+              <a:t>成果展示</a:t>
             </a:r>
             <a:endParaRPr lang="en-US" altLang="zh-CN" dirty="0"/>
           </a:p>
@@ -8070,6 +8878,482 @@
                 <a:spcPct val="200000"/>
               </a:lnSpc>
             </a:pPr>
+            <a:endParaRPr lang="zh-CN" altLang="en-US" sz="2800" dirty="0"/>
+          </a:p>
+        </p:txBody>
+      </p:sp>
+      <p:pic>
+        <p:nvPicPr>
+          <p:cNvPr id="7" name="图片 6">
+            <a:extLst>
+              <a:ext uri="{FF2B5EF4-FFF2-40B4-BE49-F238E27FC236}">
+                <a16:creationId xmlns:a16="http://schemas.microsoft.com/office/drawing/2014/main" id="{7F1D6672-368B-4D9C-AA91-64C0D2D82473}"/>
+              </a:ext>
+            </a:extLst>
+          </p:cNvPr>
+          <p:cNvPicPr>
+            <a:picLocks noChangeAspect="1"/>
+          </p:cNvPicPr>
+          <p:nvPr/>
+        </p:nvPicPr>
+        <p:blipFill>
+          <a:blip r:embed="rId2">
+            <a:extLst>
+              <a:ext uri="{28A0092B-C50C-407E-A947-70E740481C1C}">
+                <a14:useLocalDpi xmlns:a14="http://schemas.microsoft.com/office/drawing/2010/main" val="0"/>
+              </a:ext>
+            </a:extLst>
+          </a:blip>
+          <a:stretch>
+            <a:fillRect/>
+          </a:stretch>
+        </p:blipFill>
+        <p:spPr>
+          <a:xfrm>
+            <a:off x="2591068" y="1264555"/>
+            <a:ext cx="7009863" cy="5257398"/>
+          </a:xfrm>
+          <a:prstGeom prst="rect">
+            <a:avLst/>
+          </a:prstGeom>
+        </p:spPr>
+      </p:pic>
+    </p:spTree>
+    <p:extLst>
+      <p:ext uri="{BB962C8B-B14F-4D97-AF65-F5344CB8AC3E}">
+        <p14:creationId xmlns:p14="http://schemas.microsoft.com/office/powerpoint/2010/main" val="1894325775"/>
+      </p:ext>
+    </p:extLst>
+  </p:cSld>
+  <p:clrMapOvr>
+    <a:masterClrMapping/>
+  </p:clrMapOvr>
+  <p:timing>
+    <p:tnLst>
+      <p:par>
+        <p:cTn id="1" dur="indefinite" restart="never" nodeType="tmRoot">
+          <p:childTnLst>
+            <p:seq concurrent="1" nextAc="seek">
+              <p:cTn id="2" dur="indefinite" nodeType="mainSeq">
+                <p:childTnLst>
+                  <p:par>
+                    <p:cTn id="3" fill="hold">
+                      <p:stCondLst>
+                        <p:cond delay="indefinite"/>
+                      </p:stCondLst>
+                      <p:childTnLst>
+                        <p:par>
+                          <p:cTn id="4" fill="hold">
+                            <p:stCondLst>
+                              <p:cond delay="0"/>
+                            </p:stCondLst>
+                            <p:childTnLst>
+                              <p:par>
+                                <p:cTn id="5" presetID="2" presetClass="entr" presetSubtype="8" fill="hold" nodeType="clickEffect" nodePh="1">
+                                  <p:stCondLst>
+                                    <p:cond delay="0"/>
+                                  </p:stCondLst>
+                                  <p:endCondLst>
+                                    <p:cond evt="begin" delay="0">
+                                      <p:tn val="5"/>
+                                    </p:cond>
+                                  </p:endCondLst>
+                                  <p:childTnLst>
+                                    <p:set>
+                                      <p:cBhvr>
+                                        <p:cTn id="6" dur="1" fill="hold">
+                                          <p:stCondLst>
+                                            <p:cond delay="0"/>
+                                          </p:stCondLst>
+                                        </p:cTn>
+                                        <p:tgtEl>
+                                          <p:spTgt spid="4">
+                                            <p:txEl>
+                                              <p:pRg st="0" end="0"/>
+                                            </p:txEl>
+                                          </p:spTgt>
+                                        </p:tgtEl>
+                                        <p:attrNameLst>
+                                          <p:attrName>style.visibility</p:attrName>
+                                        </p:attrNameLst>
+                                      </p:cBhvr>
+                                      <p:to>
+                                        <p:strVal val="visible"/>
+                                      </p:to>
+                                    </p:set>
+                                    <p:anim calcmode="lin" valueType="num">
+                                      <p:cBhvr additive="base">
+                                        <p:cTn id="7" dur="500" fill="hold"/>
+                                        <p:tgtEl>
+                                          <p:spTgt spid="4">
+                                            <p:txEl>
+                                              <p:pRg st="0" end="0"/>
+                                            </p:txEl>
+                                          </p:spTgt>
+                                        </p:tgtEl>
+                                        <p:attrNameLst>
+                                          <p:attrName>ppt_x</p:attrName>
+                                        </p:attrNameLst>
+                                      </p:cBhvr>
+                                      <p:tavLst>
+                                        <p:tav tm="0">
+                                          <p:val>
+                                            <p:strVal val="0-#ppt_w/2"/>
+                                          </p:val>
+                                        </p:tav>
+                                        <p:tav tm="100000">
+                                          <p:val>
+                                            <p:strVal val="#ppt_x"/>
+                                          </p:val>
+                                        </p:tav>
+                                      </p:tavLst>
+                                    </p:anim>
+                                    <p:anim calcmode="lin" valueType="num">
+                                      <p:cBhvr additive="base">
+                                        <p:cTn id="8" dur="500" fill="hold"/>
+                                        <p:tgtEl>
+                                          <p:spTgt spid="4">
+                                            <p:txEl>
+                                              <p:pRg st="0" end="0"/>
+                                            </p:txEl>
+                                          </p:spTgt>
+                                        </p:tgtEl>
+                                        <p:attrNameLst>
+                                          <p:attrName>ppt_y</p:attrName>
+                                        </p:attrNameLst>
+                                      </p:cBhvr>
+                                      <p:tavLst>
+                                        <p:tav tm="0">
+                                          <p:val>
+                                            <p:strVal val="#ppt_y"/>
+                                          </p:val>
+                                        </p:tav>
+                                        <p:tav tm="100000">
+                                          <p:val>
+                                            <p:strVal val="#ppt_y"/>
+                                          </p:val>
+                                        </p:tav>
+                                      </p:tavLst>
+                                    </p:anim>
+                                  </p:childTnLst>
+                                </p:cTn>
+                              </p:par>
+                            </p:childTnLst>
+                          </p:cTn>
+                        </p:par>
+                      </p:childTnLst>
+                    </p:cTn>
+                  </p:par>
+                </p:childTnLst>
+              </p:cTn>
+              <p:prevCondLst>
+                <p:cond evt="onPrev" delay="0">
+                  <p:tgtEl>
+                    <p:sldTgt/>
+                  </p:tgtEl>
+                </p:cond>
+              </p:prevCondLst>
+              <p:nextCondLst>
+                <p:cond evt="onNext" delay="0">
+                  <p:tgtEl>
+                    <p:sldTgt/>
+                  </p:tgtEl>
+                </p:cond>
+              </p:nextCondLst>
+            </p:seq>
+          </p:childTnLst>
+        </p:cTn>
+      </p:par>
+    </p:tnLst>
+  </p:timing>
+</p:sld>
+</file>
+
+<file path=ppt/slides/slide15.xml><?xml version="1.0" encoding="utf-8"?>
+<p:sld xmlns:a="http://schemas.openxmlformats.org/drawingml/2006/main" xmlns:r="http://schemas.openxmlformats.org/officeDocument/2006/relationships" xmlns:p="http://schemas.openxmlformats.org/presentationml/2006/main">
+  <p:cSld>
+    <p:spTree>
+      <p:nvGrpSpPr>
+        <p:cNvPr id="1" name=""/>
+        <p:cNvGrpSpPr/>
+        <p:nvPr/>
+      </p:nvGrpSpPr>
+      <p:grpSpPr>
+        <a:xfrm>
+          <a:off x="0" y="0"/>
+          <a:ext cx="0" cy="0"/>
+          <a:chOff x="0" y="0"/>
+          <a:chExt cx="0" cy="0"/>
+        </a:xfrm>
+      </p:grpSpPr>
+      <p:sp>
+        <p:nvSpPr>
+          <p:cNvPr id="2" name="标题 1"/>
+          <p:cNvSpPr>
+            <a:spLocks noGrp="1"/>
+          </p:cNvSpPr>
+          <p:nvPr>
+            <p:ph type="title"/>
+          </p:nvPr>
+        </p:nvSpPr>
+        <p:spPr/>
+        <p:txBody>
+          <a:bodyPr/>
+          <a:lstStyle/>
+          <a:p>
+            <a:r>
+              <a:rPr lang="zh-CN" altLang="en-US" dirty="0"/>
+              <a:t>数据来源</a:t>
+            </a:r>
+            <a:endParaRPr lang="en-US" altLang="zh-CN" dirty="0"/>
+          </a:p>
+        </p:txBody>
+      </p:sp>
+      <p:sp>
+        <p:nvSpPr>
+          <p:cNvPr id="4" name="内容占位符 2"/>
+          <p:cNvSpPr txBox="1">
+            <a:spLocks/>
+          </p:cNvSpPr>
+          <p:nvPr/>
+        </p:nvSpPr>
+        <p:spPr>
+          <a:xfrm>
+            <a:off x="2589212" y="1910179"/>
+            <a:ext cx="8915400" cy="3777622"/>
+          </a:xfrm>
+          <a:prstGeom prst="rect">
+            <a:avLst/>
+          </a:prstGeom>
+        </p:spPr>
+        <p:txBody>
+          <a:bodyPr vert="horz" lIns="91440" tIns="45720" rIns="91440" bIns="45720" rtlCol="0">
+            <a:normAutofit/>
+          </a:bodyPr>
+          <a:lstStyle>
+            <a:lvl1pPr marL="342900" indent="-342900" algn="l" defTabSz="457200" rtl="0" eaLnBrk="1" latinLnBrk="0" hangingPunct="1">
+              <a:spcBef>
+                <a:spcPts val="1000"/>
+              </a:spcBef>
+              <a:spcAft>
+                <a:spcPts val="0"/>
+              </a:spcAft>
+              <a:buClr>
+                <a:schemeClr val="accent1"/>
+              </a:buClr>
+              <a:buFont typeface="Wingdings 3" charset="2"/>
+              <a:buChar char=""/>
+              <a:defRPr sz="1800" kern="1200">
+                <a:solidFill>
+                  <a:schemeClr val="tx1">
+                    <a:lumMod val="75000"/>
+                    <a:lumOff val="25000"/>
+                  </a:schemeClr>
+                </a:solidFill>
+                <a:latin typeface="+mn-lt"/>
+                <a:ea typeface="+mn-ea"/>
+                <a:cs typeface="+mn-cs"/>
+              </a:defRPr>
+            </a:lvl1pPr>
+            <a:lvl2pPr marL="742950" indent="-285750" algn="l" defTabSz="457200" rtl="0" eaLnBrk="1" latinLnBrk="0" hangingPunct="1">
+              <a:spcBef>
+                <a:spcPts val="1000"/>
+              </a:spcBef>
+              <a:spcAft>
+                <a:spcPts val="0"/>
+              </a:spcAft>
+              <a:buClr>
+                <a:schemeClr val="accent1"/>
+              </a:buClr>
+              <a:buFont typeface="Wingdings 3" charset="2"/>
+              <a:buChar char=""/>
+              <a:defRPr sz="1600" kern="1200">
+                <a:solidFill>
+                  <a:schemeClr val="tx1">
+                    <a:lumMod val="75000"/>
+                    <a:lumOff val="25000"/>
+                  </a:schemeClr>
+                </a:solidFill>
+                <a:latin typeface="+mn-lt"/>
+                <a:ea typeface="+mn-ea"/>
+                <a:cs typeface="+mn-cs"/>
+              </a:defRPr>
+            </a:lvl2pPr>
+            <a:lvl3pPr marL="1143000" indent="-228600" algn="l" defTabSz="457200" rtl="0" eaLnBrk="1" latinLnBrk="0" hangingPunct="1">
+              <a:spcBef>
+                <a:spcPts val="1000"/>
+              </a:spcBef>
+              <a:spcAft>
+                <a:spcPts val="0"/>
+              </a:spcAft>
+              <a:buClr>
+                <a:schemeClr val="accent1"/>
+              </a:buClr>
+              <a:buFont typeface="Wingdings 3" charset="2"/>
+              <a:buChar char=""/>
+              <a:defRPr sz="1400" kern="1200">
+                <a:solidFill>
+                  <a:schemeClr val="tx1">
+                    <a:lumMod val="75000"/>
+                    <a:lumOff val="25000"/>
+                  </a:schemeClr>
+                </a:solidFill>
+                <a:latin typeface="+mn-lt"/>
+                <a:ea typeface="+mn-ea"/>
+                <a:cs typeface="+mn-cs"/>
+              </a:defRPr>
+            </a:lvl3pPr>
+            <a:lvl4pPr marL="1600200" indent="-228600" algn="l" defTabSz="457200" rtl="0" eaLnBrk="1" latinLnBrk="0" hangingPunct="1">
+              <a:spcBef>
+                <a:spcPts val="1000"/>
+              </a:spcBef>
+              <a:spcAft>
+                <a:spcPts val="0"/>
+              </a:spcAft>
+              <a:buClr>
+                <a:schemeClr val="accent1"/>
+              </a:buClr>
+              <a:buFont typeface="Wingdings 3" charset="2"/>
+              <a:buChar char=""/>
+              <a:defRPr sz="1200" kern="1200">
+                <a:solidFill>
+                  <a:schemeClr val="tx1">
+                    <a:lumMod val="75000"/>
+                    <a:lumOff val="25000"/>
+                  </a:schemeClr>
+                </a:solidFill>
+                <a:latin typeface="+mn-lt"/>
+                <a:ea typeface="+mn-ea"/>
+                <a:cs typeface="+mn-cs"/>
+              </a:defRPr>
+            </a:lvl4pPr>
+            <a:lvl5pPr marL="2057400" indent="-228600" algn="l" defTabSz="457200" rtl="0" eaLnBrk="1" latinLnBrk="0" hangingPunct="1">
+              <a:spcBef>
+                <a:spcPts val="1000"/>
+              </a:spcBef>
+              <a:spcAft>
+                <a:spcPts val="0"/>
+              </a:spcAft>
+              <a:buClr>
+                <a:schemeClr val="accent1"/>
+              </a:buClr>
+              <a:buFont typeface="Wingdings 3" charset="2"/>
+              <a:buChar char=""/>
+              <a:defRPr sz="1200" kern="1200">
+                <a:solidFill>
+                  <a:schemeClr val="tx1">
+                    <a:lumMod val="75000"/>
+                    <a:lumOff val="25000"/>
+                  </a:schemeClr>
+                </a:solidFill>
+                <a:latin typeface="+mn-lt"/>
+                <a:ea typeface="+mn-ea"/>
+                <a:cs typeface="+mn-cs"/>
+              </a:defRPr>
+            </a:lvl5pPr>
+            <a:lvl6pPr marL="2514600" indent="-228600" algn="l" defTabSz="457200" rtl="0" eaLnBrk="1" latinLnBrk="0" hangingPunct="1">
+              <a:spcBef>
+                <a:spcPts val="1000"/>
+              </a:spcBef>
+              <a:spcAft>
+                <a:spcPts val="0"/>
+              </a:spcAft>
+              <a:buClr>
+                <a:schemeClr val="accent1"/>
+              </a:buClr>
+              <a:buFont typeface="Wingdings 3" charset="2"/>
+              <a:buChar char=""/>
+              <a:defRPr sz="1200" kern="1200">
+                <a:solidFill>
+                  <a:schemeClr val="tx1">
+                    <a:lumMod val="75000"/>
+                    <a:lumOff val="25000"/>
+                  </a:schemeClr>
+                </a:solidFill>
+                <a:latin typeface="+mn-lt"/>
+                <a:ea typeface="+mn-ea"/>
+                <a:cs typeface="+mn-cs"/>
+              </a:defRPr>
+            </a:lvl6pPr>
+            <a:lvl7pPr marL="2971800" indent="-228600" algn="l" defTabSz="457200" rtl="0" eaLnBrk="1" latinLnBrk="0" hangingPunct="1">
+              <a:spcBef>
+                <a:spcPts val="1000"/>
+              </a:spcBef>
+              <a:spcAft>
+                <a:spcPts val="0"/>
+              </a:spcAft>
+              <a:buClr>
+                <a:schemeClr val="accent1"/>
+              </a:buClr>
+              <a:buFont typeface="Wingdings 3" charset="2"/>
+              <a:buChar char=""/>
+              <a:defRPr sz="1200" kern="1200">
+                <a:solidFill>
+                  <a:schemeClr val="tx1">
+                    <a:lumMod val="75000"/>
+                    <a:lumOff val="25000"/>
+                  </a:schemeClr>
+                </a:solidFill>
+                <a:latin typeface="+mn-lt"/>
+                <a:ea typeface="+mn-ea"/>
+                <a:cs typeface="+mn-cs"/>
+              </a:defRPr>
+            </a:lvl7pPr>
+            <a:lvl8pPr marL="3429000" indent="-228600" algn="l" defTabSz="457200" rtl="0" eaLnBrk="1" latinLnBrk="0" hangingPunct="1">
+              <a:spcBef>
+                <a:spcPts val="1000"/>
+              </a:spcBef>
+              <a:spcAft>
+                <a:spcPts val="0"/>
+              </a:spcAft>
+              <a:buClr>
+                <a:schemeClr val="accent1"/>
+              </a:buClr>
+              <a:buFont typeface="Wingdings 3" charset="2"/>
+              <a:buChar char=""/>
+              <a:defRPr sz="1200" kern="1200">
+                <a:solidFill>
+                  <a:schemeClr val="tx1">
+                    <a:lumMod val="75000"/>
+                    <a:lumOff val="25000"/>
+                  </a:schemeClr>
+                </a:solidFill>
+                <a:latin typeface="+mn-lt"/>
+                <a:ea typeface="+mn-ea"/>
+                <a:cs typeface="+mn-cs"/>
+              </a:defRPr>
+            </a:lvl8pPr>
+            <a:lvl9pPr marL="3886200" indent="-228600" algn="l" defTabSz="457200" rtl="0" eaLnBrk="1" latinLnBrk="0" hangingPunct="1">
+              <a:spcBef>
+                <a:spcPts val="1000"/>
+              </a:spcBef>
+              <a:spcAft>
+                <a:spcPts val="0"/>
+              </a:spcAft>
+              <a:buClr>
+                <a:schemeClr val="accent1"/>
+              </a:buClr>
+              <a:buFont typeface="Wingdings 3" charset="2"/>
+              <a:buChar char=""/>
+              <a:defRPr sz="1200" kern="1200">
+                <a:solidFill>
+                  <a:schemeClr val="tx1">
+                    <a:lumMod val="75000"/>
+                    <a:lumOff val="25000"/>
+                  </a:schemeClr>
+                </a:solidFill>
+                <a:latin typeface="+mn-lt"/>
+                <a:ea typeface="+mn-ea"/>
+                <a:cs typeface="+mn-cs"/>
+              </a:defRPr>
+            </a:lvl9pPr>
+          </a:lstStyle>
+          <a:p>
+            <a:pPr>
+              <a:lnSpc>
+                <a:spcPct val="200000"/>
+              </a:lnSpc>
+            </a:pPr>
             <a:r>
               <a:rPr lang="en-US" altLang="zh-CN" sz="2800" dirty="0"/>
               <a:t>RESSET</a:t>
@@ -8077,6 +9361,26 @@
             <a:r>
               <a:rPr lang="zh-CN" altLang="en-US" sz="2800" dirty="0"/>
               <a:t>数据中心（校内网可使用）</a:t>
+            </a:r>
+            <a:endParaRPr lang="en-US" altLang="zh-CN" sz="2800" dirty="0"/>
+          </a:p>
+          <a:p>
+            <a:pPr>
+              <a:lnSpc>
+                <a:spcPct val="200000"/>
+              </a:lnSpc>
+            </a:pPr>
+            <a:r>
+              <a:rPr lang="zh-CN" altLang="en-US" sz="2800" dirty="0"/>
+              <a:t>使用</a:t>
+            </a:r>
+            <a:r>
+              <a:rPr lang="en-US" altLang="zh-CN" sz="2800" dirty="0"/>
+              <a:t>CSV</a:t>
+            </a:r>
+            <a:r>
+              <a:rPr lang="zh-CN" altLang="en-US" sz="2800" dirty="0"/>
+              <a:t>格式数据</a:t>
             </a:r>
           </a:p>
         </p:txBody>
@@ -8202,6 +9506,109 @@
                       </p:childTnLst>
                     </p:cTn>
                   </p:par>
+                  <p:par>
+                    <p:cTn id="9" fill="hold">
+                      <p:stCondLst>
+                        <p:cond delay="indefinite"/>
+                      </p:stCondLst>
+                      <p:childTnLst>
+                        <p:par>
+                          <p:cTn id="10" fill="hold">
+                            <p:stCondLst>
+                              <p:cond delay="0"/>
+                            </p:stCondLst>
+                            <p:childTnLst>
+                              <p:par>
+                                <p:cTn id="11" presetID="2" presetClass="entr" presetSubtype="8" fill="hold" nodeType="clickEffect">
+                                  <p:stCondLst>
+                                    <p:cond delay="0"/>
+                                  </p:stCondLst>
+                                  <p:childTnLst>
+                                    <p:set>
+                                      <p:cBhvr>
+                                        <p:cTn id="12" dur="1" fill="hold">
+                                          <p:stCondLst>
+                                            <p:cond delay="0"/>
+                                          </p:stCondLst>
+                                        </p:cTn>
+                                        <p:tgtEl>
+                                          <p:spTgt spid="4">
+                                            <p:txEl>
+                                              <p:pRg st="1" end="1"/>
+                                            </p:txEl>
+                                          </p:spTgt>
+                                        </p:tgtEl>
+                                        <p:attrNameLst>
+                                          <p:attrName>style.visibility</p:attrName>
+                                        </p:attrNameLst>
+                                      </p:cBhvr>
+                                      <p:to>
+                                        <p:strVal val="visible"/>
+                                      </p:to>
+                                    </p:set>
+                                    <p:anim calcmode="lin" valueType="num">
+                                      <p:cBhvr additive="base">
+                                        <p:cTn id="13" dur="500" fill="hold"/>
+                                        <p:tgtEl>
+                                          <p:spTgt spid="4">
+                                            <p:txEl>
+                                              <p:pRg st="1" end="1"/>
+                                            </p:txEl>
+                                          </p:spTgt>
+                                        </p:tgtEl>
+                                        <p:attrNameLst>
+                                          <p:attrName>ppt_x</p:attrName>
+                                        </p:attrNameLst>
+                                      </p:cBhvr>
+                                      <p:tavLst>
+                                        <p:tav tm="0">
+                                          <p:val>
+                                            <p:strVal val="0-#ppt_w/2"/>
+                                          </p:val>
+                                        </p:tav>
+                                        <p:tav tm="100000">
+                                          <p:val>
+                                            <p:strVal val="#ppt_x"/>
+                                          </p:val>
+                                        </p:tav>
+                                      </p:tavLst>
+                                    </p:anim>
+                                    <p:anim calcmode="lin" valueType="num">
+                                      <p:cBhvr additive="base">
+                                        <p:cTn id="14" dur="500" fill="hold"/>
+                                        <p:tgtEl>
+                                          <p:spTgt spid="4">
+                                            <p:txEl>
+                                              <p:pRg st="1" end="1"/>
+                                            </p:txEl>
+                                          </p:spTgt>
+                                        </p:tgtEl>
+                                        <p:attrNameLst>
+                                          <p:attrName>ppt_y</p:attrName>
+                                        </p:attrNameLst>
+                                      </p:cBhvr>
+                                      <p:tavLst>
+                                        <p:tav tm="0">
+                                          <p:val>
+                                            <p:strVal val="#ppt_y"/>
+                                          </p:val>
+                                        </p:tav>
+                                        <p:tav tm="100000">
+                                          <p:val>
+                                            <p:strVal val="#ppt_y"/>
+                                          </p:val>
+                                        </p:tav>
+                                      </p:tavLst>
+                                    </p:anim>
+                                  </p:childTnLst>
+                                </p:cTn>
+                              </p:par>
+                            </p:childTnLst>
+                          </p:cTn>
+                        </p:par>
+                      </p:childTnLst>
+                    </p:cTn>
+                  </p:par>
                 </p:childTnLst>
               </p:cTn>
               <p:prevCondLst>
@@ -8227,7 +9634,117 @@
 </p:sld>
 </file>
 
-<file path=ppt/slides/slide11.xml><?xml version="1.0" encoding="utf-8"?>
+<file path=ppt/slides/slide16.xml><?xml version="1.0" encoding="utf-8"?>
+<p:sld xmlns:a="http://schemas.openxmlformats.org/drawingml/2006/main" xmlns:r="http://schemas.openxmlformats.org/officeDocument/2006/relationships" xmlns:p="http://schemas.openxmlformats.org/presentationml/2006/main">
+  <p:cSld>
+    <p:spTree>
+      <p:nvGrpSpPr>
+        <p:cNvPr id="1" name=""/>
+        <p:cNvGrpSpPr/>
+        <p:nvPr/>
+      </p:nvGrpSpPr>
+      <p:grpSpPr>
+        <a:xfrm>
+          <a:off x="0" y="0"/>
+          <a:ext cx="0" cy="0"/>
+          <a:chOff x="0" y="0"/>
+          <a:chExt cx="0" cy="0"/>
+        </a:xfrm>
+      </p:grpSpPr>
+      <p:sp>
+        <p:nvSpPr>
+          <p:cNvPr id="2" name="标题 1">
+            <a:extLst>
+              <a:ext uri="{FF2B5EF4-FFF2-40B4-BE49-F238E27FC236}">
+                <a16:creationId xmlns:a16="http://schemas.microsoft.com/office/drawing/2014/main" id="{78D96C6A-1083-4336-99B4-E4F7DAB166D4}"/>
+              </a:ext>
+            </a:extLst>
+          </p:cNvPr>
+          <p:cNvSpPr>
+            <a:spLocks noGrp="1"/>
+          </p:cNvSpPr>
+          <p:nvPr>
+            <p:ph type="title"/>
+          </p:nvPr>
+        </p:nvSpPr>
+        <p:spPr/>
+        <p:txBody>
+          <a:bodyPr/>
+          <a:lstStyle/>
+          <a:p>
+            <a:endParaRPr lang="zh-CN" altLang="en-US"/>
+          </a:p>
+        </p:txBody>
+      </p:sp>
+      <p:sp>
+        <p:nvSpPr>
+          <p:cNvPr id="3" name="内容占位符 2">
+            <a:extLst>
+              <a:ext uri="{FF2B5EF4-FFF2-40B4-BE49-F238E27FC236}">
+                <a16:creationId xmlns:a16="http://schemas.microsoft.com/office/drawing/2014/main" id="{5F419E7C-847B-4620-AAC4-711A2CF17DDF}"/>
+              </a:ext>
+            </a:extLst>
+          </p:cNvPr>
+          <p:cNvSpPr>
+            <a:spLocks noGrp="1"/>
+          </p:cNvSpPr>
+          <p:nvPr>
+            <p:ph idx="1"/>
+          </p:nvPr>
+        </p:nvSpPr>
+        <p:spPr/>
+        <p:txBody>
+          <a:bodyPr/>
+          <a:lstStyle/>
+          <a:p>
+            <a:endParaRPr lang="zh-CN" altLang="en-US"/>
+          </a:p>
+        </p:txBody>
+      </p:sp>
+      <p:pic>
+        <p:nvPicPr>
+          <p:cNvPr id="4" name="图片 3">
+            <a:extLst>
+              <a:ext uri="{FF2B5EF4-FFF2-40B4-BE49-F238E27FC236}">
+                <a16:creationId xmlns:a16="http://schemas.microsoft.com/office/drawing/2014/main" id="{7D9A4166-292C-4E6E-A284-B37BB5095EA9}"/>
+              </a:ext>
+            </a:extLst>
+          </p:cNvPr>
+          <p:cNvPicPr>
+            <a:picLocks noChangeAspect="1"/>
+          </p:cNvPicPr>
+          <p:nvPr/>
+        </p:nvPicPr>
+        <p:blipFill>
+          <a:blip r:embed="rId2"/>
+          <a:stretch>
+            <a:fillRect/>
+          </a:stretch>
+        </p:blipFill>
+        <p:spPr>
+          <a:xfrm>
+            <a:off x="857905" y="229000"/>
+            <a:ext cx="10476190" cy="6400000"/>
+          </a:xfrm>
+          <a:prstGeom prst="rect">
+            <a:avLst/>
+          </a:prstGeom>
+        </p:spPr>
+      </p:pic>
+    </p:spTree>
+    <p:extLst>
+      <p:ext uri="{BB962C8B-B14F-4D97-AF65-F5344CB8AC3E}">
+        <p14:creationId xmlns:p14="http://schemas.microsoft.com/office/powerpoint/2010/main" val="1686136498"/>
+      </p:ext>
+    </p:extLst>
+  </p:cSld>
+  <p:clrMapOvr>
+    <a:masterClrMapping/>
+  </p:clrMapOvr>
+</p:sld>
+</file>
+
+<file path=ppt/slides/slide17.xml><?xml version="1.0" encoding="utf-8"?>
 <p:sld xmlns:a="http://schemas.openxmlformats.org/drawingml/2006/main" xmlns:r="http://schemas.openxmlformats.org/officeDocument/2006/relationships" xmlns:p="http://schemas.openxmlformats.org/presentationml/2006/main">
   <p:cSld>
     <p:spTree>
@@ -8512,6 +10029,30 @@
                 <a:spcPct val="200000"/>
               </a:lnSpc>
             </a:pPr>
+            <a:r>
+              <a:rPr lang="zh-CN" altLang="en-US" sz="2200" dirty="0"/>
+              <a:t>已完成大概</a:t>
+            </a:r>
+            <a:r>
+              <a:rPr lang="en-US" altLang="zh-CN" sz="2200" dirty="0"/>
+              <a:t>2000</a:t>
+            </a:r>
+            <a:r>
+              <a:rPr lang="zh-CN" altLang="en-US" sz="2200" dirty="0"/>
+              <a:t>字，主要包括绪论部分</a:t>
+            </a:r>
+            <a:endParaRPr lang="en-US" altLang="zh-CN" sz="2200" dirty="0"/>
+          </a:p>
+          <a:p>
+            <a:pPr>
+              <a:lnSpc>
+                <a:spcPct val="200000"/>
+              </a:lnSpc>
+            </a:pPr>
+            <a:r>
+              <a:rPr lang="zh-CN" altLang="en-US" sz="2200" dirty="0"/>
+              <a:t>论文其他部分待实验做完将会很快完成</a:t>
+            </a:r>
             <a:endParaRPr lang="en-US" altLang="zh-CN" sz="2200" dirty="0"/>
           </a:p>
           <a:p>
@@ -8555,15 +10096,10 @@
                             </p:stCondLst>
                             <p:childTnLst>
                               <p:par>
-                                <p:cTn id="5" presetID="2" presetClass="entr" presetSubtype="8" fill="hold" nodeType="clickEffect" nodePh="1">
+                                <p:cTn id="5" presetID="2" presetClass="entr" presetSubtype="8" fill="hold" nodeType="clickEffect">
                                   <p:stCondLst>
                                     <p:cond delay="0"/>
                                   </p:stCondLst>
-                                  <p:endCondLst>
-                                    <p:cond evt="begin" delay="0">
-                                      <p:tn val="5"/>
-                                    </p:cond>
-                                  </p:endCondLst>
                                   <p:childTnLst>
                                     <p:set>
                                       <p:cBhvr>
@@ -8650,6 +10186,109 @@
                       </p:childTnLst>
                     </p:cTn>
                   </p:par>
+                  <p:par>
+                    <p:cTn id="9" fill="hold">
+                      <p:stCondLst>
+                        <p:cond delay="indefinite"/>
+                      </p:stCondLst>
+                      <p:childTnLst>
+                        <p:par>
+                          <p:cTn id="10" fill="hold">
+                            <p:stCondLst>
+                              <p:cond delay="0"/>
+                            </p:stCondLst>
+                            <p:childTnLst>
+                              <p:par>
+                                <p:cTn id="11" presetID="2" presetClass="entr" presetSubtype="8" fill="hold" nodeType="clickEffect">
+                                  <p:stCondLst>
+                                    <p:cond delay="0"/>
+                                  </p:stCondLst>
+                                  <p:childTnLst>
+                                    <p:set>
+                                      <p:cBhvr>
+                                        <p:cTn id="12" dur="1" fill="hold">
+                                          <p:stCondLst>
+                                            <p:cond delay="0"/>
+                                          </p:stCondLst>
+                                        </p:cTn>
+                                        <p:tgtEl>
+                                          <p:spTgt spid="4">
+                                            <p:txEl>
+                                              <p:pRg st="1" end="1"/>
+                                            </p:txEl>
+                                          </p:spTgt>
+                                        </p:tgtEl>
+                                        <p:attrNameLst>
+                                          <p:attrName>style.visibility</p:attrName>
+                                        </p:attrNameLst>
+                                      </p:cBhvr>
+                                      <p:to>
+                                        <p:strVal val="visible"/>
+                                      </p:to>
+                                    </p:set>
+                                    <p:anim calcmode="lin" valueType="num">
+                                      <p:cBhvr additive="base">
+                                        <p:cTn id="13" dur="500" fill="hold"/>
+                                        <p:tgtEl>
+                                          <p:spTgt spid="4">
+                                            <p:txEl>
+                                              <p:pRg st="1" end="1"/>
+                                            </p:txEl>
+                                          </p:spTgt>
+                                        </p:tgtEl>
+                                        <p:attrNameLst>
+                                          <p:attrName>ppt_x</p:attrName>
+                                        </p:attrNameLst>
+                                      </p:cBhvr>
+                                      <p:tavLst>
+                                        <p:tav tm="0">
+                                          <p:val>
+                                            <p:strVal val="0-#ppt_w/2"/>
+                                          </p:val>
+                                        </p:tav>
+                                        <p:tav tm="100000">
+                                          <p:val>
+                                            <p:strVal val="#ppt_x"/>
+                                          </p:val>
+                                        </p:tav>
+                                      </p:tavLst>
+                                    </p:anim>
+                                    <p:anim calcmode="lin" valueType="num">
+                                      <p:cBhvr additive="base">
+                                        <p:cTn id="14" dur="500" fill="hold"/>
+                                        <p:tgtEl>
+                                          <p:spTgt spid="4">
+                                            <p:txEl>
+                                              <p:pRg st="1" end="1"/>
+                                            </p:txEl>
+                                          </p:spTgt>
+                                        </p:tgtEl>
+                                        <p:attrNameLst>
+                                          <p:attrName>ppt_y</p:attrName>
+                                        </p:attrNameLst>
+                                      </p:cBhvr>
+                                      <p:tavLst>
+                                        <p:tav tm="0">
+                                          <p:val>
+                                            <p:strVal val="#ppt_y"/>
+                                          </p:val>
+                                        </p:tav>
+                                        <p:tav tm="100000">
+                                          <p:val>
+                                            <p:strVal val="#ppt_y"/>
+                                          </p:val>
+                                        </p:tav>
+                                      </p:tavLst>
+                                    </p:anim>
+                                  </p:childTnLst>
+                                </p:cTn>
+                              </p:par>
+                            </p:childTnLst>
+                          </p:cTn>
+                        </p:par>
+                      </p:childTnLst>
+                    </p:cTn>
+                  </p:par>
                 </p:childTnLst>
               </p:cTn>
               <p:prevCondLst>
@@ -8675,7 +10314,7 @@
 </p:sld>
 </file>
 
-<file path=ppt/slides/slide12.xml><?xml version="1.0" encoding="utf-8"?>
+<file path=ppt/slides/slide18.xml><?xml version="1.0" encoding="utf-8"?>
 <p:sld xmlns:a="http://schemas.openxmlformats.org/drawingml/2006/main" xmlns:r="http://schemas.openxmlformats.org/officeDocument/2006/relationships" xmlns:p="http://schemas.openxmlformats.org/presentationml/2006/main">
   <p:cSld>
     <p:spTree>
@@ -11786,7 +13425,15 @@
           <a:p>
             <a:r>
               <a:rPr lang="zh-CN" altLang="en-US" dirty="0"/>
-              <a:t>深度学习相关内容</a:t>
+              <a:t>研究内容</a:t>
+            </a:r>
+            <a:r>
+              <a:rPr lang="en-US" altLang="zh-CN" dirty="0"/>
+              <a:t>——</a:t>
+            </a:r>
+            <a:r>
+              <a:rPr lang="zh-CN" altLang="en-US" dirty="0"/>
+              <a:t>深度学习时间序列研究相关算法</a:t>
             </a:r>
             <a:endParaRPr lang="en-US" altLang="zh-CN" dirty="0"/>
           </a:p>
@@ -12037,7 +13684,10 @@
                 <a:spcPct val="200000"/>
               </a:lnSpc>
             </a:pPr>
-            <a:endParaRPr lang="en-US" altLang="zh-CN" sz="2200" dirty="0"/>
+            <a:r>
+              <a:rPr lang="en-US" altLang="zh-CN" sz="2200" dirty="0"/>
+              <a:t>LSTM:</a:t>
+            </a:r>
           </a:p>
           <a:p>
             <a:pPr>
@@ -12049,10 +13699,46 @@
           </a:p>
         </p:txBody>
       </p:sp>
+      <p:pic>
+        <p:nvPicPr>
+          <p:cNvPr id="5" name="图片 4">
+            <a:extLst>
+              <a:ext uri="{FF2B5EF4-FFF2-40B4-BE49-F238E27FC236}">
+                <a16:creationId xmlns:a16="http://schemas.microsoft.com/office/drawing/2014/main" id="{528814DD-79FE-4D27-A786-270CCA387BE9}"/>
+              </a:ext>
+            </a:extLst>
+          </p:cNvPr>
+          <p:cNvPicPr>
+            <a:picLocks noChangeAspect="1"/>
+          </p:cNvPicPr>
+          <p:nvPr/>
+        </p:nvPicPr>
+        <p:blipFill>
+          <a:blip r:embed="rId2">
+            <a:extLst>
+              <a:ext uri="{28A0092B-C50C-407E-A947-70E740481C1C}">
+                <a14:useLocalDpi xmlns:a14="http://schemas.microsoft.com/office/drawing/2010/main" val="0"/>
+              </a:ext>
+            </a:extLst>
+          </a:blip>
+          <a:stretch>
+            <a:fillRect/>
+          </a:stretch>
+        </p:blipFill>
+        <p:spPr>
+          <a:xfrm>
+            <a:off x="3963880" y="1862627"/>
+            <a:ext cx="6166064" cy="4438503"/>
+          </a:xfrm>
+          <a:prstGeom prst="rect">
+            <a:avLst/>
+          </a:prstGeom>
+        </p:spPr>
+      </p:pic>
     </p:spTree>
     <p:extLst>
       <p:ext uri="{BB962C8B-B14F-4D97-AF65-F5344CB8AC3E}">
-        <p14:creationId xmlns:p14="http://schemas.microsoft.com/office/powerpoint/2010/main" val="2400740928"/>
+        <p14:creationId xmlns:p14="http://schemas.microsoft.com/office/powerpoint/2010/main" val="3712509932"/>
       </p:ext>
     </p:extLst>
   </p:cSld>
@@ -12080,15 +13766,10 @@
                             </p:stCondLst>
                             <p:childTnLst>
                               <p:par>
-                                <p:cTn id="5" presetID="2" presetClass="entr" presetSubtype="8" fill="hold" nodeType="clickEffect" nodePh="1">
+                                <p:cTn id="5" presetID="2" presetClass="entr" presetSubtype="8" fill="hold" nodeType="clickEffect">
                                   <p:stCondLst>
                                     <p:cond delay="0"/>
                                   </p:stCondLst>
-                                  <p:endCondLst>
-                                    <p:cond evt="begin" delay="0">
-                                      <p:tn val="5"/>
-                                    </p:cond>
-                                  </p:endCondLst>
                                   <p:childTnLst>
                                     <p:set>
                                       <p:cBhvr>
@@ -12175,6 +13856,59 @@
                       </p:childTnLst>
                     </p:cTn>
                   </p:par>
+                  <p:par>
+                    <p:cTn id="9" fill="hold">
+                      <p:stCondLst>
+                        <p:cond delay="indefinite"/>
+                      </p:stCondLst>
+                      <p:childTnLst>
+                        <p:par>
+                          <p:cTn id="10" fill="hold">
+                            <p:stCondLst>
+                              <p:cond delay="0"/>
+                            </p:stCondLst>
+                            <p:childTnLst>
+                              <p:par>
+                                <p:cTn id="11" presetID="6" presetClass="entr" presetSubtype="16" fill="hold" nodeType="clickEffect">
+                                  <p:stCondLst>
+                                    <p:cond delay="0"/>
+                                  </p:stCondLst>
+                                  <p:childTnLst>
+                                    <p:set>
+                                      <p:cBhvr>
+                                        <p:cTn id="12" dur="1" fill="hold">
+                                          <p:stCondLst>
+                                            <p:cond delay="0"/>
+                                          </p:stCondLst>
+                                        </p:cTn>
+                                        <p:tgtEl>
+                                          <p:spTgt spid="5"/>
+                                        </p:tgtEl>
+                                        <p:attrNameLst>
+                                          <p:attrName>style.visibility</p:attrName>
+                                        </p:attrNameLst>
+                                      </p:cBhvr>
+                                      <p:to>
+                                        <p:strVal val="visible"/>
+                                      </p:to>
+                                    </p:set>
+                                    <p:animEffect transition="in" filter="circle(in)">
+                                      <p:cBhvr>
+                                        <p:cTn id="13" dur="1000"/>
+                                        <p:tgtEl>
+                                          <p:spTgt spid="5"/>
+                                        </p:tgtEl>
+                                      </p:cBhvr>
+                                    </p:animEffect>
+                                  </p:childTnLst>
+                                </p:cTn>
+                              </p:par>
+                            </p:childTnLst>
+                          </p:cTn>
+                        </p:par>
+                      </p:childTnLst>
+                    </p:cTn>
+                  </p:par>
                 </p:childTnLst>
               </p:cTn>
               <p:prevCondLst>
@@ -12234,7 +13968,7 @@
           <a:p>
             <a:r>
               <a:rPr lang="zh-CN" altLang="en-US" dirty="0"/>
-              <a:t>深度学习时间序列研究相关算法</a:t>
+              <a:t>代码实现</a:t>
             </a:r>
             <a:endParaRPr lang="en-US" altLang="zh-CN" dirty="0"/>
           </a:p>
@@ -12485,454 +14219,6 @@
                 <a:spcPct val="200000"/>
               </a:lnSpc>
             </a:pPr>
-            <a:endParaRPr lang="en-US" altLang="zh-CN" sz="2200" dirty="0"/>
-          </a:p>
-          <a:p>
-            <a:pPr>
-              <a:lnSpc>
-                <a:spcPct val="200000"/>
-              </a:lnSpc>
-            </a:pPr>
-            <a:endParaRPr lang="zh-CN" altLang="zh-CN" sz="2200" dirty="0"/>
-          </a:p>
-        </p:txBody>
-      </p:sp>
-    </p:spTree>
-    <p:extLst>
-      <p:ext uri="{BB962C8B-B14F-4D97-AF65-F5344CB8AC3E}">
-        <p14:creationId xmlns:p14="http://schemas.microsoft.com/office/powerpoint/2010/main" val="3712509932"/>
-      </p:ext>
-    </p:extLst>
-  </p:cSld>
-  <p:clrMapOvr>
-    <a:masterClrMapping/>
-  </p:clrMapOvr>
-  <p:timing>
-    <p:tnLst>
-      <p:par>
-        <p:cTn id="1" dur="indefinite" restart="never" nodeType="tmRoot">
-          <p:childTnLst>
-            <p:seq concurrent="1" nextAc="seek">
-              <p:cTn id="2" dur="indefinite" nodeType="mainSeq">
-                <p:childTnLst>
-                  <p:par>
-                    <p:cTn id="3" fill="hold">
-                      <p:stCondLst>
-                        <p:cond delay="indefinite"/>
-                      </p:stCondLst>
-                      <p:childTnLst>
-                        <p:par>
-                          <p:cTn id="4" fill="hold">
-                            <p:stCondLst>
-                              <p:cond delay="0"/>
-                            </p:stCondLst>
-                            <p:childTnLst>
-                              <p:par>
-                                <p:cTn id="5" presetID="2" presetClass="entr" presetSubtype="8" fill="hold" nodeType="clickEffect" nodePh="1">
-                                  <p:stCondLst>
-                                    <p:cond delay="0"/>
-                                  </p:stCondLst>
-                                  <p:endCondLst>
-                                    <p:cond evt="begin" delay="0">
-                                      <p:tn val="5"/>
-                                    </p:cond>
-                                  </p:endCondLst>
-                                  <p:childTnLst>
-                                    <p:set>
-                                      <p:cBhvr>
-                                        <p:cTn id="6" dur="1" fill="hold">
-                                          <p:stCondLst>
-                                            <p:cond delay="0"/>
-                                          </p:stCondLst>
-                                        </p:cTn>
-                                        <p:tgtEl>
-                                          <p:spTgt spid="4">
-                                            <p:txEl>
-                                              <p:pRg st="0" end="0"/>
-                                            </p:txEl>
-                                          </p:spTgt>
-                                        </p:tgtEl>
-                                        <p:attrNameLst>
-                                          <p:attrName>style.visibility</p:attrName>
-                                        </p:attrNameLst>
-                                      </p:cBhvr>
-                                      <p:to>
-                                        <p:strVal val="visible"/>
-                                      </p:to>
-                                    </p:set>
-                                    <p:anim calcmode="lin" valueType="num">
-                                      <p:cBhvr additive="base">
-                                        <p:cTn id="7" dur="500" fill="hold"/>
-                                        <p:tgtEl>
-                                          <p:spTgt spid="4">
-                                            <p:txEl>
-                                              <p:pRg st="0" end="0"/>
-                                            </p:txEl>
-                                          </p:spTgt>
-                                        </p:tgtEl>
-                                        <p:attrNameLst>
-                                          <p:attrName>ppt_x</p:attrName>
-                                        </p:attrNameLst>
-                                      </p:cBhvr>
-                                      <p:tavLst>
-                                        <p:tav tm="0">
-                                          <p:val>
-                                            <p:strVal val="0-#ppt_w/2"/>
-                                          </p:val>
-                                        </p:tav>
-                                        <p:tav tm="100000">
-                                          <p:val>
-                                            <p:strVal val="#ppt_x"/>
-                                          </p:val>
-                                        </p:tav>
-                                      </p:tavLst>
-                                    </p:anim>
-                                    <p:anim calcmode="lin" valueType="num">
-                                      <p:cBhvr additive="base">
-                                        <p:cTn id="8" dur="500" fill="hold"/>
-                                        <p:tgtEl>
-                                          <p:spTgt spid="4">
-                                            <p:txEl>
-                                              <p:pRg st="0" end="0"/>
-                                            </p:txEl>
-                                          </p:spTgt>
-                                        </p:tgtEl>
-                                        <p:attrNameLst>
-                                          <p:attrName>ppt_y</p:attrName>
-                                        </p:attrNameLst>
-                                      </p:cBhvr>
-                                      <p:tavLst>
-                                        <p:tav tm="0">
-                                          <p:val>
-                                            <p:strVal val="#ppt_y"/>
-                                          </p:val>
-                                        </p:tav>
-                                        <p:tav tm="100000">
-                                          <p:val>
-                                            <p:strVal val="#ppt_y"/>
-                                          </p:val>
-                                        </p:tav>
-                                      </p:tavLst>
-                                    </p:anim>
-                                  </p:childTnLst>
-                                </p:cTn>
-                              </p:par>
-                            </p:childTnLst>
-                          </p:cTn>
-                        </p:par>
-                      </p:childTnLst>
-                    </p:cTn>
-                  </p:par>
-                </p:childTnLst>
-              </p:cTn>
-              <p:prevCondLst>
-                <p:cond evt="onPrev" delay="0">
-                  <p:tgtEl>
-                    <p:sldTgt/>
-                  </p:tgtEl>
-                </p:cond>
-              </p:prevCondLst>
-              <p:nextCondLst>
-                <p:cond evt="onNext" delay="0">
-                  <p:tgtEl>
-                    <p:sldTgt/>
-                  </p:tgtEl>
-                </p:cond>
-              </p:nextCondLst>
-            </p:seq>
-          </p:childTnLst>
-        </p:cTn>
-      </p:par>
-    </p:tnLst>
-  </p:timing>
-</p:sld>
-</file>
-
-<file path=ppt/slides/slide6.xml><?xml version="1.0" encoding="utf-8"?>
-<p:sld xmlns:a="http://schemas.openxmlformats.org/drawingml/2006/main" xmlns:r="http://schemas.openxmlformats.org/officeDocument/2006/relationships" xmlns:p="http://schemas.openxmlformats.org/presentationml/2006/main">
-  <p:cSld>
-    <p:spTree>
-      <p:nvGrpSpPr>
-        <p:cNvPr id="1" name=""/>
-        <p:cNvGrpSpPr/>
-        <p:nvPr/>
-      </p:nvGrpSpPr>
-      <p:grpSpPr>
-        <a:xfrm>
-          <a:off x="0" y="0"/>
-          <a:ext cx="0" cy="0"/>
-          <a:chOff x="0" y="0"/>
-          <a:chExt cx="0" cy="0"/>
-        </a:xfrm>
-      </p:grpSpPr>
-      <p:sp>
-        <p:nvSpPr>
-          <p:cNvPr id="2" name="标题 1"/>
-          <p:cNvSpPr>
-            <a:spLocks noGrp="1"/>
-          </p:cNvSpPr>
-          <p:nvPr>
-            <p:ph type="title"/>
-          </p:nvPr>
-        </p:nvSpPr>
-        <p:spPr/>
-        <p:txBody>
-          <a:bodyPr/>
-          <a:lstStyle/>
-          <a:p>
-            <a:r>
-              <a:rPr lang="zh-CN" altLang="en-US" dirty="0"/>
-              <a:t>代码实现部分</a:t>
-            </a:r>
-            <a:endParaRPr lang="en-US" altLang="zh-CN" dirty="0"/>
-          </a:p>
-        </p:txBody>
-      </p:sp>
-      <p:sp>
-        <p:nvSpPr>
-          <p:cNvPr id="4" name="内容占位符 2"/>
-          <p:cNvSpPr txBox="1">
-            <a:spLocks/>
-          </p:cNvSpPr>
-          <p:nvPr/>
-        </p:nvSpPr>
-        <p:spPr>
-          <a:xfrm>
-            <a:off x="2589212" y="1905000"/>
-            <a:ext cx="8915400" cy="4353758"/>
-          </a:xfrm>
-          <a:prstGeom prst="rect">
-            <a:avLst/>
-          </a:prstGeom>
-        </p:spPr>
-        <p:txBody>
-          <a:bodyPr vert="horz" lIns="91440" tIns="45720" rIns="91440" bIns="45720" rtlCol="0">
-            <a:normAutofit/>
-          </a:bodyPr>
-          <a:lstStyle>
-            <a:lvl1pPr marL="342900" indent="-342900" algn="l" defTabSz="457200" rtl="0" eaLnBrk="1" latinLnBrk="0" hangingPunct="1">
-              <a:spcBef>
-                <a:spcPts val="1000"/>
-              </a:spcBef>
-              <a:spcAft>
-                <a:spcPts val="0"/>
-              </a:spcAft>
-              <a:buClr>
-                <a:schemeClr val="accent1"/>
-              </a:buClr>
-              <a:buFont typeface="Wingdings 3" charset="2"/>
-              <a:buChar char=""/>
-              <a:defRPr sz="1800" kern="1200">
-                <a:solidFill>
-                  <a:schemeClr val="tx1">
-                    <a:lumMod val="75000"/>
-                    <a:lumOff val="25000"/>
-                  </a:schemeClr>
-                </a:solidFill>
-                <a:latin typeface="+mn-lt"/>
-                <a:ea typeface="+mn-ea"/>
-                <a:cs typeface="+mn-cs"/>
-              </a:defRPr>
-            </a:lvl1pPr>
-            <a:lvl2pPr marL="742950" indent="-285750" algn="l" defTabSz="457200" rtl="0" eaLnBrk="1" latinLnBrk="0" hangingPunct="1">
-              <a:spcBef>
-                <a:spcPts val="1000"/>
-              </a:spcBef>
-              <a:spcAft>
-                <a:spcPts val="0"/>
-              </a:spcAft>
-              <a:buClr>
-                <a:schemeClr val="accent1"/>
-              </a:buClr>
-              <a:buFont typeface="Wingdings 3" charset="2"/>
-              <a:buChar char=""/>
-              <a:defRPr sz="1600" kern="1200">
-                <a:solidFill>
-                  <a:schemeClr val="tx1">
-                    <a:lumMod val="75000"/>
-                    <a:lumOff val="25000"/>
-                  </a:schemeClr>
-                </a:solidFill>
-                <a:latin typeface="+mn-lt"/>
-                <a:ea typeface="+mn-ea"/>
-                <a:cs typeface="+mn-cs"/>
-              </a:defRPr>
-            </a:lvl2pPr>
-            <a:lvl3pPr marL="1143000" indent="-228600" algn="l" defTabSz="457200" rtl="0" eaLnBrk="1" latinLnBrk="0" hangingPunct="1">
-              <a:spcBef>
-                <a:spcPts val="1000"/>
-              </a:spcBef>
-              <a:spcAft>
-                <a:spcPts val="0"/>
-              </a:spcAft>
-              <a:buClr>
-                <a:schemeClr val="accent1"/>
-              </a:buClr>
-              <a:buFont typeface="Wingdings 3" charset="2"/>
-              <a:buChar char=""/>
-              <a:defRPr sz="1400" kern="1200">
-                <a:solidFill>
-                  <a:schemeClr val="tx1">
-                    <a:lumMod val="75000"/>
-                    <a:lumOff val="25000"/>
-                  </a:schemeClr>
-                </a:solidFill>
-                <a:latin typeface="+mn-lt"/>
-                <a:ea typeface="+mn-ea"/>
-                <a:cs typeface="+mn-cs"/>
-              </a:defRPr>
-            </a:lvl3pPr>
-            <a:lvl4pPr marL="1600200" indent="-228600" algn="l" defTabSz="457200" rtl="0" eaLnBrk="1" latinLnBrk="0" hangingPunct="1">
-              <a:spcBef>
-                <a:spcPts val="1000"/>
-              </a:spcBef>
-              <a:spcAft>
-                <a:spcPts val="0"/>
-              </a:spcAft>
-              <a:buClr>
-                <a:schemeClr val="accent1"/>
-              </a:buClr>
-              <a:buFont typeface="Wingdings 3" charset="2"/>
-              <a:buChar char=""/>
-              <a:defRPr sz="1200" kern="1200">
-                <a:solidFill>
-                  <a:schemeClr val="tx1">
-                    <a:lumMod val="75000"/>
-                    <a:lumOff val="25000"/>
-                  </a:schemeClr>
-                </a:solidFill>
-                <a:latin typeface="+mn-lt"/>
-                <a:ea typeface="+mn-ea"/>
-                <a:cs typeface="+mn-cs"/>
-              </a:defRPr>
-            </a:lvl4pPr>
-            <a:lvl5pPr marL="2057400" indent="-228600" algn="l" defTabSz="457200" rtl="0" eaLnBrk="1" latinLnBrk="0" hangingPunct="1">
-              <a:spcBef>
-                <a:spcPts val="1000"/>
-              </a:spcBef>
-              <a:spcAft>
-                <a:spcPts val="0"/>
-              </a:spcAft>
-              <a:buClr>
-                <a:schemeClr val="accent1"/>
-              </a:buClr>
-              <a:buFont typeface="Wingdings 3" charset="2"/>
-              <a:buChar char=""/>
-              <a:defRPr sz="1200" kern="1200">
-                <a:solidFill>
-                  <a:schemeClr val="tx1">
-                    <a:lumMod val="75000"/>
-                    <a:lumOff val="25000"/>
-                  </a:schemeClr>
-                </a:solidFill>
-                <a:latin typeface="+mn-lt"/>
-                <a:ea typeface="+mn-ea"/>
-                <a:cs typeface="+mn-cs"/>
-              </a:defRPr>
-            </a:lvl5pPr>
-            <a:lvl6pPr marL="2514600" indent="-228600" algn="l" defTabSz="457200" rtl="0" eaLnBrk="1" latinLnBrk="0" hangingPunct="1">
-              <a:spcBef>
-                <a:spcPts val="1000"/>
-              </a:spcBef>
-              <a:spcAft>
-                <a:spcPts val="0"/>
-              </a:spcAft>
-              <a:buClr>
-                <a:schemeClr val="accent1"/>
-              </a:buClr>
-              <a:buFont typeface="Wingdings 3" charset="2"/>
-              <a:buChar char=""/>
-              <a:defRPr sz="1200" kern="1200">
-                <a:solidFill>
-                  <a:schemeClr val="tx1">
-                    <a:lumMod val="75000"/>
-                    <a:lumOff val="25000"/>
-                  </a:schemeClr>
-                </a:solidFill>
-                <a:latin typeface="+mn-lt"/>
-                <a:ea typeface="+mn-ea"/>
-                <a:cs typeface="+mn-cs"/>
-              </a:defRPr>
-            </a:lvl6pPr>
-            <a:lvl7pPr marL="2971800" indent="-228600" algn="l" defTabSz="457200" rtl="0" eaLnBrk="1" latinLnBrk="0" hangingPunct="1">
-              <a:spcBef>
-                <a:spcPts val="1000"/>
-              </a:spcBef>
-              <a:spcAft>
-                <a:spcPts val="0"/>
-              </a:spcAft>
-              <a:buClr>
-                <a:schemeClr val="accent1"/>
-              </a:buClr>
-              <a:buFont typeface="Wingdings 3" charset="2"/>
-              <a:buChar char=""/>
-              <a:defRPr sz="1200" kern="1200">
-                <a:solidFill>
-                  <a:schemeClr val="tx1">
-                    <a:lumMod val="75000"/>
-                    <a:lumOff val="25000"/>
-                  </a:schemeClr>
-                </a:solidFill>
-                <a:latin typeface="+mn-lt"/>
-                <a:ea typeface="+mn-ea"/>
-                <a:cs typeface="+mn-cs"/>
-              </a:defRPr>
-            </a:lvl7pPr>
-            <a:lvl8pPr marL="3429000" indent="-228600" algn="l" defTabSz="457200" rtl="0" eaLnBrk="1" latinLnBrk="0" hangingPunct="1">
-              <a:spcBef>
-                <a:spcPts val="1000"/>
-              </a:spcBef>
-              <a:spcAft>
-                <a:spcPts val="0"/>
-              </a:spcAft>
-              <a:buClr>
-                <a:schemeClr val="accent1"/>
-              </a:buClr>
-              <a:buFont typeface="Wingdings 3" charset="2"/>
-              <a:buChar char=""/>
-              <a:defRPr sz="1200" kern="1200">
-                <a:solidFill>
-                  <a:schemeClr val="tx1">
-                    <a:lumMod val="75000"/>
-                    <a:lumOff val="25000"/>
-                  </a:schemeClr>
-                </a:solidFill>
-                <a:latin typeface="+mn-lt"/>
-                <a:ea typeface="+mn-ea"/>
-                <a:cs typeface="+mn-cs"/>
-              </a:defRPr>
-            </a:lvl8pPr>
-            <a:lvl9pPr marL="3886200" indent="-228600" algn="l" defTabSz="457200" rtl="0" eaLnBrk="1" latinLnBrk="0" hangingPunct="1">
-              <a:spcBef>
-                <a:spcPts val="1000"/>
-              </a:spcBef>
-              <a:spcAft>
-                <a:spcPts val="0"/>
-              </a:spcAft>
-              <a:buClr>
-                <a:schemeClr val="accent1"/>
-              </a:buClr>
-              <a:buFont typeface="Wingdings 3" charset="2"/>
-              <a:buChar char=""/>
-              <a:defRPr sz="1200" kern="1200">
-                <a:solidFill>
-                  <a:schemeClr val="tx1">
-                    <a:lumMod val="75000"/>
-                    <a:lumOff val="25000"/>
-                  </a:schemeClr>
-                </a:solidFill>
-                <a:latin typeface="+mn-lt"/>
-                <a:ea typeface="+mn-ea"/>
-                <a:cs typeface="+mn-cs"/>
-              </a:defRPr>
-            </a:lvl9pPr>
-          </a:lstStyle>
-          <a:p>
-            <a:pPr>
-              <a:lnSpc>
-                <a:spcPct val="200000"/>
-              </a:lnSpc>
-            </a:pPr>
             <a:r>
               <a:rPr lang="zh-CN" altLang="en-US" sz="2800" dirty="0"/>
               <a:t>神经网络搭建</a:t>
@@ -12960,6 +14246,18 @@
             <a:r>
               <a:rPr lang="zh-CN" altLang="en-US" sz="2800" dirty="0"/>
               <a:t>画图展示</a:t>
+            </a:r>
+            <a:endParaRPr lang="en-US" altLang="zh-CN" sz="2800" dirty="0"/>
+          </a:p>
+          <a:p>
+            <a:pPr>
+              <a:lnSpc>
+                <a:spcPct val="200000"/>
+              </a:lnSpc>
+            </a:pPr>
+            <a:r>
+              <a:rPr lang="zh-CN" altLang="en-US" sz="2800" dirty="0"/>
+              <a:t>成果展示</a:t>
             </a:r>
             <a:endParaRPr lang="en-US" altLang="zh-CN" sz="2800" dirty="0"/>
           </a:p>
@@ -13316,6 +14614,109 @@
                       </p:childTnLst>
                     </p:cTn>
                   </p:par>
+                  <p:par>
+                    <p:cTn id="21" fill="hold">
+                      <p:stCondLst>
+                        <p:cond delay="indefinite"/>
+                      </p:stCondLst>
+                      <p:childTnLst>
+                        <p:par>
+                          <p:cTn id="22" fill="hold">
+                            <p:stCondLst>
+                              <p:cond delay="0"/>
+                            </p:stCondLst>
+                            <p:childTnLst>
+                              <p:par>
+                                <p:cTn id="23" presetID="2" presetClass="entr" presetSubtype="8" fill="hold" nodeType="clickEffect">
+                                  <p:stCondLst>
+                                    <p:cond delay="0"/>
+                                  </p:stCondLst>
+                                  <p:childTnLst>
+                                    <p:set>
+                                      <p:cBhvr>
+                                        <p:cTn id="24" dur="1" fill="hold">
+                                          <p:stCondLst>
+                                            <p:cond delay="0"/>
+                                          </p:stCondLst>
+                                        </p:cTn>
+                                        <p:tgtEl>
+                                          <p:spTgt spid="4">
+                                            <p:txEl>
+                                              <p:pRg st="3" end="3"/>
+                                            </p:txEl>
+                                          </p:spTgt>
+                                        </p:tgtEl>
+                                        <p:attrNameLst>
+                                          <p:attrName>style.visibility</p:attrName>
+                                        </p:attrNameLst>
+                                      </p:cBhvr>
+                                      <p:to>
+                                        <p:strVal val="visible"/>
+                                      </p:to>
+                                    </p:set>
+                                    <p:anim calcmode="lin" valueType="num">
+                                      <p:cBhvr additive="base">
+                                        <p:cTn id="25" dur="500" fill="hold"/>
+                                        <p:tgtEl>
+                                          <p:spTgt spid="4">
+                                            <p:txEl>
+                                              <p:pRg st="3" end="3"/>
+                                            </p:txEl>
+                                          </p:spTgt>
+                                        </p:tgtEl>
+                                        <p:attrNameLst>
+                                          <p:attrName>ppt_x</p:attrName>
+                                        </p:attrNameLst>
+                                      </p:cBhvr>
+                                      <p:tavLst>
+                                        <p:tav tm="0">
+                                          <p:val>
+                                            <p:strVal val="0-#ppt_w/2"/>
+                                          </p:val>
+                                        </p:tav>
+                                        <p:tav tm="100000">
+                                          <p:val>
+                                            <p:strVal val="#ppt_x"/>
+                                          </p:val>
+                                        </p:tav>
+                                      </p:tavLst>
+                                    </p:anim>
+                                    <p:anim calcmode="lin" valueType="num">
+                                      <p:cBhvr additive="base">
+                                        <p:cTn id="26" dur="500" fill="hold"/>
+                                        <p:tgtEl>
+                                          <p:spTgt spid="4">
+                                            <p:txEl>
+                                              <p:pRg st="3" end="3"/>
+                                            </p:txEl>
+                                          </p:spTgt>
+                                        </p:tgtEl>
+                                        <p:attrNameLst>
+                                          <p:attrName>ppt_y</p:attrName>
+                                        </p:attrNameLst>
+                                      </p:cBhvr>
+                                      <p:tavLst>
+                                        <p:tav tm="0">
+                                          <p:val>
+                                            <p:strVal val="#ppt_y"/>
+                                          </p:val>
+                                        </p:tav>
+                                        <p:tav tm="100000">
+                                          <p:val>
+                                            <p:strVal val="#ppt_y"/>
+                                          </p:val>
+                                        </p:tav>
+                                      </p:tavLst>
+                                    </p:anim>
+                                  </p:childTnLst>
+                                </p:cTn>
+                              </p:par>
+                            </p:childTnLst>
+                          </p:cTn>
+                        </p:par>
+                      </p:childTnLst>
+                    </p:cTn>
+                  </p:par>
                 </p:childTnLst>
               </p:cTn>
               <p:prevCondLst>
@@ -13341,7 +14742,7 @@
 </p:sld>
 </file>
 
-<file path=ppt/slides/slide7.xml><?xml version="1.0" encoding="utf-8"?>
+<file path=ppt/slides/slide6.xml><?xml version="1.0" encoding="utf-8"?>
 <p:sld xmlns:a="http://schemas.openxmlformats.org/drawingml/2006/main" xmlns:r="http://schemas.openxmlformats.org/officeDocument/2006/relationships" xmlns:p="http://schemas.openxmlformats.org/presentationml/2006/main">
   <p:cSld>
     <p:spTree>
@@ -13373,6 +14774,14 @@
           <a:bodyPr/>
           <a:lstStyle/>
           <a:p>
+            <a:r>
+              <a:rPr lang="zh-CN" altLang="en-US" dirty="0"/>
+              <a:t>代码实现</a:t>
+            </a:r>
+            <a:r>
+              <a:rPr lang="en-US" altLang="zh-CN" dirty="0"/>
+              <a:t>——</a:t>
+            </a:r>
             <a:r>
               <a:rPr lang="zh-CN" altLang="en-US" dirty="0"/>
               <a:t>神经网络搭建部分</a:t>
@@ -13808,6 +15217,116 @@
 </p:sld>
 </file>
 
+<file path=ppt/slides/slide7.xml><?xml version="1.0" encoding="utf-8"?>
+<p:sld xmlns:a="http://schemas.openxmlformats.org/drawingml/2006/main" xmlns:r="http://schemas.openxmlformats.org/officeDocument/2006/relationships" xmlns:p="http://schemas.openxmlformats.org/presentationml/2006/main">
+  <p:cSld>
+    <p:spTree>
+      <p:nvGrpSpPr>
+        <p:cNvPr id="1" name=""/>
+        <p:cNvGrpSpPr/>
+        <p:nvPr/>
+      </p:nvGrpSpPr>
+      <p:grpSpPr>
+        <a:xfrm>
+          <a:off x="0" y="0"/>
+          <a:ext cx="0" cy="0"/>
+          <a:chOff x="0" y="0"/>
+          <a:chExt cx="0" cy="0"/>
+        </a:xfrm>
+      </p:grpSpPr>
+      <p:sp>
+        <p:nvSpPr>
+          <p:cNvPr id="2" name="标题 1">
+            <a:extLst>
+              <a:ext uri="{FF2B5EF4-FFF2-40B4-BE49-F238E27FC236}">
+                <a16:creationId xmlns:a16="http://schemas.microsoft.com/office/drawing/2014/main" id="{DED34638-6E67-4E8A-9A0D-49C7F91EE0E9}"/>
+              </a:ext>
+            </a:extLst>
+          </p:cNvPr>
+          <p:cNvSpPr>
+            <a:spLocks noGrp="1"/>
+          </p:cNvSpPr>
+          <p:nvPr>
+            <p:ph type="title"/>
+          </p:nvPr>
+        </p:nvSpPr>
+        <p:spPr/>
+        <p:txBody>
+          <a:bodyPr/>
+          <a:lstStyle/>
+          <a:p>
+            <a:endParaRPr lang="zh-CN" altLang="en-US"/>
+          </a:p>
+        </p:txBody>
+      </p:sp>
+      <p:sp>
+        <p:nvSpPr>
+          <p:cNvPr id="3" name="内容占位符 2">
+            <a:extLst>
+              <a:ext uri="{FF2B5EF4-FFF2-40B4-BE49-F238E27FC236}">
+                <a16:creationId xmlns:a16="http://schemas.microsoft.com/office/drawing/2014/main" id="{33D7234F-9387-47F1-995D-57B2FD10A0A5}"/>
+              </a:ext>
+            </a:extLst>
+          </p:cNvPr>
+          <p:cNvSpPr>
+            <a:spLocks noGrp="1"/>
+          </p:cNvSpPr>
+          <p:nvPr>
+            <p:ph idx="1"/>
+          </p:nvPr>
+        </p:nvSpPr>
+        <p:spPr/>
+        <p:txBody>
+          <a:bodyPr/>
+          <a:lstStyle/>
+          <a:p>
+            <a:endParaRPr lang="zh-CN" altLang="en-US"/>
+          </a:p>
+        </p:txBody>
+      </p:sp>
+      <p:pic>
+        <p:nvPicPr>
+          <p:cNvPr id="4" name="图片 3">
+            <a:extLst>
+              <a:ext uri="{FF2B5EF4-FFF2-40B4-BE49-F238E27FC236}">
+                <a16:creationId xmlns:a16="http://schemas.microsoft.com/office/drawing/2014/main" id="{191D64E3-D815-463F-A6B4-E79E1937FD4C}"/>
+              </a:ext>
+            </a:extLst>
+          </p:cNvPr>
+          <p:cNvPicPr>
+            <a:picLocks noChangeAspect="1"/>
+          </p:cNvPicPr>
+          <p:nvPr/>
+        </p:nvPicPr>
+        <p:blipFill>
+          <a:blip r:embed="rId2"/>
+          <a:stretch>
+            <a:fillRect/>
+          </a:stretch>
+        </p:blipFill>
+        <p:spPr>
+          <a:xfrm>
+            <a:off x="1976083" y="368252"/>
+            <a:ext cx="8239833" cy="6121495"/>
+          </a:xfrm>
+          <a:prstGeom prst="rect">
+            <a:avLst/>
+          </a:prstGeom>
+        </p:spPr>
+      </p:pic>
+    </p:spTree>
+    <p:extLst>
+      <p:ext uri="{BB962C8B-B14F-4D97-AF65-F5344CB8AC3E}">
+        <p14:creationId xmlns:p14="http://schemas.microsoft.com/office/powerpoint/2010/main" val="1748359488"/>
+      </p:ext>
+    </p:extLst>
+  </p:cSld>
+  <p:clrMapOvr>
+    <a:masterClrMapping/>
+  </p:clrMapOvr>
+</p:sld>
+</file>
+
 <file path=ppt/slides/slide8.xml><?xml version="1.0" encoding="utf-8"?>
 <p:sld xmlns:a="http://schemas.openxmlformats.org/drawingml/2006/main" xmlns:r="http://schemas.openxmlformats.org/officeDocument/2006/relationships" xmlns:p="http://schemas.openxmlformats.org/presentationml/2006/main">
   <p:cSld>
@@ -13840,6 +15359,14 @@
           <a:bodyPr/>
           <a:lstStyle/>
           <a:p>
+            <a:r>
+              <a:rPr lang="zh-CN" altLang="en-US" dirty="0"/>
+              <a:t>代码实现</a:t>
+            </a:r>
+            <a:r>
+              <a:rPr lang="en-US" altLang="zh-CN" dirty="0"/>
+              <a:t>——</a:t>
+            </a:r>
             <a:r>
               <a:rPr lang="zh-CN" altLang="en-US" dirty="0"/>
               <a:t>数据处理部分</a:t>
@@ -14277,7 +15804,13 @@
       </p:grpSpPr>
       <p:sp>
         <p:nvSpPr>
-          <p:cNvPr id="2" name="标题 1"/>
+          <p:cNvPr id="2" name="标题 1">
+            <a:extLst>
+              <a:ext uri="{FF2B5EF4-FFF2-40B4-BE49-F238E27FC236}">
+                <a16:creationId xmlns:a16="http://schemas.microsoft.com/office/drawing/2014/main" id="{84BF7415-7D17-4443-BAAB-4AEFA768761F}"/>
+              </a:ext>
+            </a:extLst>
+          </p:cNvPr>
           <p:cNvSpPr>
             <a:spLocks noGrp="1"/>
           </p:cNvSpPr>
@@ -14290,422 +15823,75 @@
           <a:bodyPr/>
           <a:lstStyle/>
           <a:p>
-            <a:r>
-              <a:rPr lang="zh-CN" altLang="en-US" dirty="0"/>
-              <a:t>画图展示部分</a:t>
-            </a:r>
-            <a:endParaRPr lang="en-US" altLang="zh-CN" dirty="0"/>
+            <a:endParaRPr lang="zh-CN" altLang="en-US"/>
           </a:p>
         </p:txBody>
       </p:sp>
       <p:sp>
         <p:nvSpPr>
-          <p:cNvPr id="4" name="内容占位符 2"/>
-          <p:cNvSpPr txBox="1">
-            <a:spLocks/>
+          <p:cNvPr id="3" name="内容占位符 2">
+            <a:extLst>
+              <a:ext uri="{FF2B5EF4-FFF2-40B4-BE49-F238E27FC236}">
+                <a16:creationId xmlns:a16="http://schemas.microsoft.com/office/drawing/2014/main" id="{C8C3084F-2A98-4F3B-B095-3371AC29045F}"/>
+              </a:ext>
+            </a:extLst>
+          </p:cNvPr>
+          <p:cNvSpPr>
+            <a:spLocks noGrp="1"/>
           </p:cNvSpPr>
+          <p:nvPr>
+            <p:ph idx="1"/>
+          </p:nvPr>
+        </p:nvSpPr>
+        <p:spPr/>
+        <p:txBody>
+          <a:bodyPr/>
+          <a:lstStyle/>
+          <a:p>
+            <a:endParaRPr lang="zh-CN" altLang="en-US"/>
+          </a:p>
+        </p:txBody>
+      </p:sp>
+      <p:pic>
+        <p:nvPicPr>
+          <p:cNvPr id="5" name="图片 4">
+            <a:extLst>
+              <a:ext uri="{FF2B5EF4-FFF2-40B4-BE49-F238E27FC236}">
+                <a16:creationId xmlns:a16="http://schemas.microsoft.com/office/drawing/2014/main" id="{DC2A11EF-55C3-4498-87E9-725C7C20E73D}"/>
+              </a:ext>
+            </a:extLst>
+          </p:cNvPr>
+          <p:cNvPicPr>
+            <a:picLocks noChangeAspect="1"/>
+          </p:cNvPicPr>
           <p:nvPr/>
-        </p:nvSpPr>
+        </p:nvPicPr>
+        <p:blipFill>
+          <a:blip r:embed="rId2"/>
+          <a:stretch>
+            <a:fillRect/>
+          </a:stretch>
+        </p:blipFill>
         <p:spPr>
           <a:xfrm>
-            <a:off x="2589212" y="1905000"/>
-            <a:ext cx="8915400" cy="4353758"/>
+            <a:off x="458365" y="1746682"/>
+            <a:ext cx="11275269" cy="3364636"/>
           </a:xfrm>
           <a:prstGeom prst="rect">
             <a:avLst/>
           </a:prstGeom>
         </p:spPr>
-        <p:txBody>
-          <a:bodyPr vert="horz" lIns="91440" tIns="45720" rIns="91440" bIns="45720" rtlCol="0">
-            <a:normAutofit/>
-          </a:bodyPr>
-          <a:lstStyle>
-            <a:lvl1pPr marL="342900" indent="-342900" algn="l" defTabSz="457200" rtl="0" eaLnBrk="1" latinLnBrk="0" hangingPunct="1">
-              <a:spcBef>
-                <a:spcPts val="1000"/>
-              </a:spcBef>
-              <a:spcAft>
-                <a:spcPts val="0"/>
-              </a:spcAft>
-              <a:buClr>
-                <a:schemeClr val="accent1"/>
-              </a:buClr>
-              <a:buFont typeface="Wingdings 3" charset="2"/>
-              <a:buChar char=""/>
-              <a:defRPr sz="1800" kern="1200">
-                <a:solidFill>
-                  <a:schemeClr val="tx1">
-                    <a:lumMod val="75000"/>
-                    <a:lumOff val="25000"/>
-                  </a:schemeClr>
-                </a:solidFill>
-                <a:latin typeface="+mn-lt"/>
-                <a:ea typeface="+mn-ea"/>
-                <a:cs typeface="+mn-cs"/>
-              </a:defRPr>
-            </a:lvl1pPr>
-            <a:lvl2pPr marL="742950" indent="-285750" algn="l" defTabSz="457200" rtl="0" eaLnBrk="1" latinLnBrk="0" hangingPunct="1">
-              <a:spcBef>
-                <a:spcPts val="1000"/>
-              </a:spcBef>
-              <a:spcAft>
-                <a:spcPts val="0"/>
-              </a:spcAft>
-              <a:buClr>
-                <a:schemeClr val="accent1"/>
-              </a:buClr>
-              <a:buFont typeface="Wingdings 3" charset="2"/>
-              <a:buChar char=""/>
-              <a:defRPr sz="1600" kern="1200">
-                <a:solidFill>
-                  <a:schemeClr val="tx1">
-                    <a:lumMod val="75000"/>
-                    <a:lumOff val="25000"/>
-                  </a:schemeClr>
-                </a:solidFill>
-                <a:latin typeface="+mn-lt"/>
-                <a:ea typeface="+mn-ea"/>
-                <a:cs typeface="+mn-cs"/>
-              </a:defRPr>
-            </a:lvl2pPr>
-            <a:lvl3pPr marL="1143000" indent="-228600" algn="l" defTabSz="457200" rtl="0" eaLnBrk="1" latinLnBrk="0" hangingPunct="1">
-              <a:spcBef>
-                <a:spcPts val="1000"/>
-              </a:spcBef>
-              <a:spcAft>
-                <a:spcPts val="0"/>
-              </a:spcAft>
-              <a:buClr>
-                <a:schemeClr val="accent1"/>
-              </a:buClr>
-              <a:buFont typeface="Wingdings 3" charset="2"/>
-              <a:buChar char=""/>
-              <a:defRPr sz="1400" kern="1200">
-                <a:solidFill>
-                  <a:schemeClr val="tx1">
-                    <a:lumMod val="75000"/>
-                    <a:lumOff val="25000"/>
-                  </a:schemeClr>
-                </a:solidFill>
-                <a:latin typeface="+mn-lt"/>
-                <a:ea typeface="+mn-ea"/>
-                <a:cs typeface="+mn-cs"/>
-              </a:defRPr>
-            </a:lvl3pPr>
-            <a:lvl4pPr marL="1600200" indent="-228600" algn="l" defTabSz="457200" rtl="0" eaLnBrk="1" latinLnBrk="0" hangingPunct="1">
-              <a:spcBef>
-                <a:spcPts val="1000"/>
-              </a:spcBef>
-              <a:spcAft>
-                <a:spcPts val="0"/>
-              </a:spcAft>
-              <a:buClr>
-                <a:schemeClr val="accent1"/>
-              </a:buClr>
-              <a:buFont typeface="Wingdings 3" charset="2"/>
-              <a:buChar char=""/>
-              <a:defRPr sz="1200" kern="1200">
-                <a:solidFill>
-                  <a:schemeClr val="tx1">
-                    <a:lumMod val="75000"/>
-                    <a:lumOff val="25000"/>
-                  </a:schemeClr>
-                </a:solidFill>
-                <a:latin typeface="+mn-lt"/>
-                <a:ea typeface="+mn-ea"/>
-                <a:cs typeface="+mn-cs"/>
-              </a:defRPr>
-            </a:lvl4pPr>
-            <a:lvl5pPr marL="2057400" indent="-228600" algn="l" defTabSz="457200" rtl="0" eaLnBrk="1" latinLnBrk="0" hangingPunct="1">
-              <a:spcBef>
-                <a:spcPts val="1000"/>
-              </a:spcBef>
-              <a:spcAft>
-                <a:spcPts val="0"/>
-              </a:spcAft>
-              <a:buClr>
-                <a:schemeClr val="accent1"/>
-              </a:buClr>
-              <a:buFont typeface="Wingdings 3" charset="2"/>
-              <a:buChar char=""/>
-              <a:defRPr sz="1200" kern="1200">
-                <a:solidFill>
-                  <a:schemeClr val="tx1">
-                    <a:lumMod val="75000"/>
-                    <a:lumOff val="25000"/>
-                  </a:schemeClr>
-                </a:solidFill>
-                <a:latin typeface="+mn-lt"/>
-                <a:ea typeface="+mn-ea"/>
-                <a:cs typeface="+mn-cs"/>
-              </a:defRPr>
-            </a:lvl5pPr>
-            <a:lvl6pPr marL="2514600" indent="-228600" algn="l" defTabSz="457200" rtl="0" eaLnBrk="1" latinLnBrk="0" hangingPunct="1">
-              <a:spcBef>
-                <a:spcPts val="1000"/>
-              </a:spcBef>
-              <a:spcAft>
-                <a:spcPts val="0"/>
-              </a:spcAft>
-              <a:buClr>
-                <a:schemeClr val="accent1"/>
-              </a:buClr>
-              <a:buFont typeface="Wingdings 3" charset="2"/>
-              <a:buChar char=""/>
-              <a:defRPr sz="1200" kern="1200">
-                <a:solidFill>
-                  <a:schemeClr val="tx1">
-                    <a:lumMod val="75000"/>
-                    <a:lumOff val="25000"/>
-                  </a:schemeClr>
-                </a:solidFill>
-                <a:latin typeface="+mn-lt"/>
-                <a:ea typeface="+mn-ea"/>
-                <a:cs typeface="+mn-cs"/>
-              </a:defRPr>
-            </a:lvl6pPr>
-            <a:lvl7pPr marL="2971800" indent="-228600" algn="l" defTabSz="457200" rtl="0" eaLnBrk="1" latinLnBrk="0" hangingPunct="1">
-              <a:spcBef>
-                <a:spcPts val="1000"/>
-              </a:spcBef>
-              <a:spcAft>
-                <a:spcPts val="0"/>
-              </a:spcAft>
-              <a:buClr>
-                <a:schemeClr val="accent1"/>
-              </a:buClr>
-              <a:buFont typeface="Wingdings 3" charset="2"/>
-              <a:buChar char=""/>
-              <a:defRPr sz="1200" kern="1200">
-                <a:solidFill>
-                  <a:schemeClr val="tx1">
-                    <a:lumMod val="75000"/>
-                    <a:lumOff val="25000"/>
-                  </a:schemeClr>
-                </a:solidFill>
-                <a:latin typeface="+mn-lt"/>
-                <a:ea typeface="+mn-ea"/>
-                <a:cs typeface="+mn-cs"/>
-              </a:defRPr>
-            </a:lvl7pPr>
-            <a:lvl8pPr marL="3429000" indent="-228600" algn="l" defTabSz="457200" rtl="0" eaLnBrk="1" latinLnBrk="0" hangingPunct="1">
-              <a:spcBef>
-                <a:spcPts val="1000"/>
-              </a:spcBef>
-              <a:spcAft>
-                <a:spcPts val="0"/>
-              </a:spcAft>
-              <a:buClr>
-                <a:schemeClr val="accent1"/>
-              </a:buClr>
-              <a:buFont typeface="Wingdings 3" charset="2"/>
-              <a:buChar char=""/>
-              <a:defRPr sz="1200" kern="1200">
-                <a:solidFill>
-                  <a:schemeClr val="tx1">
-                    <a:lumMod val="75000"/>
-                    <a:lumOff val="25000"/>
-                  </a:schemeClr>
-                </a:solidFill>
-                <a:latin typeface="+mn-lt"/>
-                <a:ea typeface="+mn-ea"/>
-                <a:cs typeface="+mn-cs"/>
-              </a:defRPr>
-            </a:lvl8pPr>
-            <a:lvl9pPr marL="3886200" indent="-228600" algn="l" defTabSz="457200" rtl="0" eaLnBrk="1" latinLnBrk="0" hangingPunct="1">
-              <a:spcBef>
-                <a:spcPts val="1000"/>
-              </a:spcBef>
-              <a:spcAft>
-                <a:spcPts val="0"/>
-              </a:spcAft>
-              <a:buClr>
-                <a:schemeClr val="accent1"/>
-              </a:buClr>
-              <a:buFont typeface="Wingdings 3" charset="2"/>
-              <a:buChar char=""/>
-              <a:defRPr sz="1200" kern="1200">
-                <a:solidFill>
-                  <a:schemeClr val="tx1">
-                    <a:lumMod val="75000"/>
-                    <a:lumOff val="25000"/>
-                  </a:schemeClr>
-                </a:solidFill>
-                <a:latin typeface="+mn-lt"/>
-                <a:ea typeface="+mn-ea"/>
-                <a:cs typeface="+mn-cs"/>
-              </a:defRPr>
-            </a:lvl9pPr>
-          </a:lstStyle>
-          <a:p>
-            <a:pPr>
-              <a:lnSpc>
-                <a:spcPct val="200000"/>
-              </a:lnSpc>
-            </a:pPr>
-            <a:r>
-              <a:rPr lang="zh-CN" altLang="en-US" sz="2200" dirty="0"/>
-              <a:t>使用工具：</a:t>
-            </a:r>
-            <a:r>
-              <a:rPr lang="en-US" altLang="zh-CN" sz="2200"/>
-              <a:t>matplotlib</a:t>
-            </a:r>
-            <a:endParaRPr lang="en-US" altLang="zh-CN" sz="2200" dirty="0"/>
-          </a:p>
-          <a:p>
-            <a:pPr>
-              <a:lnSpc>
-                <a:spcPct val="200000"/>
-              </a:lnSpc>
-            </a:pPr>
-            <a:endParaRPr lang="zh-CN" altLang="zh-CN" sz="2200" dirty="0"/>
-          </a:p>
-        </p:txBody>
-      </p:sp>
+      </p:pic>
     </p:spTree>
     <p:extLst>
       <p:ext uri="{BB962C8B-B14F-4D97-AF65-F5344CB8AC3E}">
-        <p14:creationId xmlns:p14="http://schemas.microsoft.com/office/powerpoint/2010/main" val="2779118128"/>
+        <p14:creationId xmlns:p14="http://schemas.microsoft.com/office/powerpoint/2010/main" val="734203670"/>
       </p:ext>
     </p:extLst>
   </p:cSld>
   <p:clrMapOvr>
     <a:masterClrMapping/>
   </p:clrMapOvr>
-  <p:timing>
-    <p:tnLst>
-      <p:par>
-        <p:cTn id="1" dur="indefinite" restart="never" nodeType="tmRoot">
-          <p:childTnLst>
-            <p:seq concurrent="1" nextAc="seek">
-              <p:cTn id="2" dur="indefinite" nodeType="mainSeq">
-                <p:childTnLst>
-                  <p:par>
-                    <p:cTn id="3" fill="hold">
-                      <p:stCondLst>
-                        <p:cond delay="indefinite"/>
-                      </p:stCondLst>
-                      <p:childTnLst>
-                        <p:par>
-                          <p:cTn id="4" fill="hold">
-                            <p:stCondLst>
-                              <p:cond delay="0"/>
-                            </p:stCondLst>
-                            <p:childTnLst>
-                              <p:par>
-                                <p:cTn id="5" presetID="2" presetClass="entr" presetSubtype="8" fill="hold" nodeType="clickEffect">
-                                  <p:stCondLst>
-                                    <p:cond delay="0"/>
-                                  </p:stCondLst>
-                                  <p:childTnLst>
-                                    <p:set>
-                                      <p:cBhvr>
-                                        <p:cTn id="6" dur="1" fill="hold">
-                                          <p:stCondLst>
-                                            <p:cond delay="0"/>
-                                          </p:stCondLst>
-                                        </p:cTn>
-                                        <p:tgtEl>
-                                          <p:spTgt spid="4">
-                                            <p:txEl>
-                                              <p:pRg st="0" end="0"/>
-                                            </p:txEl>
-                                          </p:spTgt>
-                                        </p:tgtEl>
-                                        <p:attrNameLst>
-                                          <p:attrName>style.visibility</p:attrName>
-                                        </p:attrNameLst>
-                                      </p:cBhvr>
-                                      <p:to>
-                                        <p:strVal val="visible"/>
-                                      </p:to>
-                                    </p:set>
-                                    <p:anim calcmode="lin" valueType="num">
-                                      <p:cBhvr additive="base">
-                                        <p:cTn id="7" dur="500" fill="hold"/>
-                                        <p:tgtEl>
-                                          <p:spTgt spid="4">
-                                            <p:txEl>
-                                              <p:pRg st="0" end="0"/>
-                                            </p:txEl>
-                                          </p:spTgt>
-                                        </p:tgtEl>
-                                        <p:attrNameLst>
-                                          <p:attrName>ppt_x</p:attrName>
-                                        </p:attrNameLst>
-                                      </p:cBhvr>
-                                      <p:tavLst>
-                                        <p:tav tm="0">
-                                          <p:val>
-                                            <p:strVal val="0-#ppt_w/2"/>
-                                          </p:val>
-                                        </p:tav>
-                                        <p:tav tm="100000">
-                                          <p:val>
-                                            <p:strVal val="#ppt_x"/>
-                                          </p:val>
-                                        </p:tav>
-                                      </p:tavLst>
-                                    </p:anim>
-                                    <p:anim calcmode="lin" valueType="num">
-                                      <p:cBhvr additive="base">
-                                        <p:cTn id="8" dur="500" fill="hold"/>
-                                        <p:tgtEl>
-                                          <p:spTgt spid="4">
-                                            <p:txEl>
-                                              <p:pRg st="0" end="0"/>
-                                            </p:txEl>
-                                          </p:spTgt>
-                                        </p:tgtEl>
-                                        <p:attrNameLst>
-                                          <p:attrName>ppt_y</p:attrName>
-                                        </p:attrNameLst>
-                                      </p:cBhvr>
-                                      <p:tavLst>
-                                        <p:tav tm="0">
-                                          <p:val>
-                                            <p:strVal val="#ppt_y"/>
-                                          </p:val>
-                                        </p:tav>
-                                        <p:tav tm="100000">
-                                          <p:val>
-                                            <p:strVal val="#ppt_y"/>
-                                          </p:val>
-                                        </p:tav>
-                                      </p:tavLst>
-                                    </p:anim>
-                                  </p:childTnLst>
-                                </p:cTn>
-                              </p:par>
-                            </p:childTnLst>
-                          </p:cTn>
-                        </p:par>
-                      </p:childTnLst>
-                    </p:cTn>
-                  </p:par>
-                </p:childTnLst>
-              </p:cTn>
-              <p:prevCondLst>
-                <p:cond evt="onPrev" delay="0">
-                  <p:tgtEl>
-                    <p:sldTgt/>
-                  </p:tgtEl>
-                </p:cond>
-              </p:prevCondLst>
-              <p:nextCondLst>
-                <p:cond evt="onNext" delay="0">
-                  <p:tgtEl>
-                    <p:sldTgt/>
-                  </p:tgtEl>
-                </p:cond>
-              </p:nextCondLst>
-            </p:seq>
-          </p:childTnLst>
-        </p:cTn>
-      </p:par>
-    </p:tnLst>
-  </p:timing>
 </p:sld>
 </file>
 
